--- a/ppt/miniproject.pptx
+++ b/ppt/miniproject.pptx
@@ -18,8 +18,10 @@
     <p:sldId id="272" r:id="rId12"/>
     <p:sldId id="271" r:id="rId13"/>
     <p:sldId id="273" r:id="rId14"/>
-    <p:sldId id="266" r:id="rId15"/>
-    <p:sldId id="263" r:id="rId16"/>
+    <p:sldId id="274" r:id="rId15"/>
+    <p:sldId id="275" r:id="rId16"/>
+    <p:sldId id="266" r:id="rId17"/>
+    <p:sldId id="263" r:id="rId18"/>
   </p:sldIdLst>
   <p:sldSz cx="10696575" cy="7562850"/>
   <p:notesSz cx="7562850" cy="10696575"/>
@@ -4962,6 +4964,873 @@
       </p:grpSpPr>
       <p:grpSp>
         <p:nvGrpSpPr>
+          <p:cNvPr id="4" name="그룹 3"/>
+          <p:cNvGrpSpPr/>
+          <p:nvPr/>
+        </p:nvGrpSpPr>
+        <p:grpSpPr>
+          <a:xfrm>
+            <a:off x="6007763" y="967233"/>
+            <a:ext cx="3737763" cy="152070"/>
+            <a:chOff x="935833" y="2002315"/>
+            <a:chExt cx="3737763" cy="152070"/>
+          </a:xfrm>
+        </p:grpSpPr>
+        <p:pic>
+          <p:nvPicPr>
+            <p:cNvPr id="5" name="Object 4"/>
+            <p:cNvPicPr>
+              <a:picLocks noChangeAspect="1"/>
+            </p:cNvPicPr>
+            <p:nvPr/>
+          </p:nvPicPr>
+          <p:blipFill>
+            <a:blip r:embed="rId2" cstate="print"/>
+            <a:stretch>
+              <a:fillRect/>
+            </a:stretch>
+          </p:blipFill>
+          <p:spPr>
+            <a:xfrm>
+              <a:off x="935833" y="2002315"/>
+              <a:ext cx="3737763" cy="152070"/>
+            </a:xfrm>
+            <a:prstGeom prst="rect">
+              <a:avLst/>
+            </a:prstGeom>
+          </p:spPr>
+        </p:pic>
+      </p:grpSp>
+      <p:grpSp>
+        <p:nvGrpSpPr>
+          <p:cNvPr id="6" name="그룹 5"/>
+          <p:cNvGrpSpPr/>
+          <p:nvPr/>
+        </p:nvGrpSpPr>
+        <p:grpSpPr>
+          <a:xfrm>
+            <a:off x="-43032" y="1209116"/>
+            <a:ext cx="10265300" cy="241230"/>
+            <a:chOff x="255576" y="928328"/>
+            <a:chExt cx="10265300" cy="241230"/>
+          </a:xfrm>
+        </p:grpSpPr>
+        <p:grpSp>
+          <p:nvGrpSpPr>
+            <p:cNvPr id="7" name="그룹 6"/>
+            <p:cNvGrpSpPr/>
+            <p:nvPr/>
+          </p:nvGrpSpPr>
+          <p:grpSpPr>
+            <a:xfrm>
+              <a:off x="1464102" y="997613"/>
+              <a:ext cx="9056774" cy="171945"/>
+              <a:chOff x="1464102" y="997613"/>
+              <a:chExt cx="9056774" cy="171945"/>
+            </a:xfrm>
+          </p:grpSpPr>
+          <p:grpSp>
+            <p:nvGrpSpPr>
+              <p:cNvPr id="9" name="그룹 8"/>
+              <p:cNvGrpSpPr/>
+              <p:nvPr/>
+            </p:nvGrpSpPr>
+            <p:grpSpPr>
+              <a:xfrm>
+                <a:off x="1464102" y="1059890"/>
+                <a:ext cx="8895970" cy="23696"/>
+                <a:chOff x="1464102" y="1059890"/>
+                <a:chExt cx="8895970" cy="23696"/>
+              </a:xfrm>
+            </p:grpSpPr>
+            <p:pic>
+              <p:nvPicPr>
+                <p:cNvPr id="12" name="Object 9"/>
+                <p:cNvPicPr>
+                  <a:picLocks noChangeAspect="1"/>
+                </p:cNvPicPr>
+                <p:nvPr/>
+              </p:nvPicPr>
+              <p:blipFill>
+                <a:blip r:embed="rId3" cstate="print"/>
+                <a:stretch>
+                  <a:fillRect/>
+                </a:stretch>
+              </p:blipFill>
+              <p:spPr>
+                <a:xfrm>
+                  <a:off x="1464102" y="1059890"/>
+                  <a:ext cx="8895970" cy="23696"/>
+                </a:xfrm>
+                <a:prstGeom prst="rect">
+                  <a:avLst/>
+                </a:prstGeom>
+              </p:spPr>
+            </p:pic>
+          </p:grpSp>
+          <p:grpSp>
+            <p:nvGrpSpPr>
+              <p:cNvPr id="10" name="그룹 9"/>
+              <p:cNvGrpSpPr/>
+              <p:nvPr/>
+            </p:nvGrpSpPr>
+            <p:grpSpPr>
+              <a:xfrm>
+                <a:off x="10348931" y="997613"/>
+                <a:ext cx="171945" cy="171945"/>
+                <a:chOff x="10348931" y="997613"/>
+                <a:chExt cx="171945" cy="171945"/>
+              </a:xfrm>
+            </p:grpSpPr>
+            <p:pic>
+              <p:nvPicPr>
+                <p:cNvPr id="11" name="Object 12"/>
+                <p:cNvPicPr>
+                  <a:picLocks noChangeAspect="1"/>
+                </p:cNvPicPr>
+                <p:nvPr/>
+              </p:nvPicPr>
+              <p:blipFill>
+                <a:blip r:embed="rId4" cstate="print"/>
+                <a:stretch>
+                  <a:fillRect/>
+                </a:stretch>
+              </p:blipFill>
+              <p:spPr>
+                <a:xfrm>
+                  <a:off x="10348931" y="997613"/>
+                  <a:ext cx="171945" cy="171945"/>
+                </a:xfrm>
+                <a:prstGeom prst="rect">
+                  <a:avLst/>
+                </a:prstGeom>
+              </p:spPr>
+            </p:pic>
+          </p:grpSp>
+        </p:grpSp>
+        <p:pic>
+          <p:nvPicPr>
+            <p:cNvPr id="8" name="Object 15"/>
+            <p:cNvPicPr>
+              <a:picLocks noChangeAspect="1"/>
+            </p:cNvPicPr>
+            <p:nvPr/>
+          </p:nvPicPr>
+          <p:blipFill>
+            <a:blip r:embed="rId5" cstate="print"/>
+            <a:stretch>
+              <a:fillRect/>
+            </a:stretch>
+          </p:blipFill>
+          <p:spPr>
+            <a:xfrm>
+              <a:off x="255576" y="928328"/>
+              <a:ext cx="615692" cy="207959"/>
+            </a:xfrm>
+            <a:prstGeom prst="rect">
+              <a:avLst/>
+            </a:prstGeom>
+          </p:spPr>
+        </p:pic>
+      </p:grpSp>
+      <p:grpSp>
+        <p:nvGrpSpPr>
+          <p:cNvPr id="13" name="그룹 12"/>
+          <p:cNvGrpSpPr/>
+          <p:nvPr/>
+        </p:nvGrpSpPr>
+        <p:grpSpPr>
+          <a:xfrm>
+            <a:off x="6927922" y="2867025"/>
+            <a:ext cx="4212861" cy="4212861"/>
+            <a:chOff x="6809758" y="1612308"/>
+            <a:chExt cx="4212861" cy="4212861"/>
+          </a:xfrm>
+        </p:grpSpPr>
+        <p:pic>
+          <p:nvPicPr>
+            <p:cNvPr id="14" name="Object 19"/>
+            <p:cNvPicPr>
+              <a:picLocks noChangeAspect="1"/>
+            </p:cNvPicPr>
+            <p:nvPr/>
+          </p:nvPicPr>
+          <p:blipFill>
+            <a:blip r:embed="rId6" cstate="print"/>
+            <a:stretch>
+              <a:fillRect/>
+            </a:stretch>
+          </p:blipFill>
+          <p:spPr>
+            <a:xfrm>
+              <a:off x="6809758" y="1612308"/>
+              <a:ext cx="4212861" cy="4212861"/>
+            </a:xfrm>
+            <a:prstGeom prst="rect">
+              <a:avLst/>
+            </a:prstGeom>
+          </p:spPr>
+        </p:pic>
+      </p:grpSp>
+      <p:grpSp>
+        <p:nvGrpSpPr>
+          <p:cNvPr id="15" name="그룹 14"/>
+          <p:cNvGrpSpPr/>
+          <p:nvPr/>
+        </p:nvGrpSpPr>
+        <p:grpSpPr>
+          <a:xfrm>
+            <a:off x="7203763" y="2585709"/>
+            <a:ext cx="2827634" cy="2827634"/>
+            <a:chOff x="7502371" y="2304921"/>
+            <a:chExt cx="2827634" cy="2827634"/>
+          </a:xfrm>
+        </p:grpSpPr>
+        <p:pic>
+          <p:nvPicPr>
+            <p:cNvPr id="16" name="Object 25"/>
+            <p:cNvPicPr>
+              <a:picLocks noChangeAspect="1"/>
+            </p:cNvPicPr>
+            <p:nvPr/>
+          </p:nvPicPr>
+          <p:blipFill>
+            <a:blip r:embed="rId7" cstate="print"/>
+            <a:stretch>
+              <a:fillRect/>
+            </a:stretch>
+          </p:blipFill>
+          <p:spPr>
+            <a:xfrm>
+              <a:off x="7502371" y="2304921"/>
+              <a:ext cx="2827634" cy="2827634"/>
+            </a:xfrm>
+            <a:prstGeom prst="rect">
+              <a:avLst/>
+            </a:prstGeom>
+          </p:spPr>
+        </p:pic>
+      </p:grpSp>
+      <p:grpSp>
+        <p:nvGrpSpPr>
+          <p:cNvPr id="17" name="그룹 16"/>
+          <p:cNvGrpSpPr/>
+          <p:nvPr/>
+        </p:nvGrpSpPr>
+        <p:grpSpPr>
+          <a:xfrm>
+            <a:off x="5820290" y="4072619"/>
+            <a:ext cx="2827634" cy="2827634"/>
+            <a:chOff x="7502371" y="2304921"/>
+            <a:chExt cx="2827634" cy="2827634"/>
+          </a:xfrm>
+        </p:grpSpPr>
+        <p:pic>
+          <p:nvPicPr>
+            <p:cNvPr id="18" name="Object 28"/>
+            <p:cNvPicPr>
+              <a:picLocks noChangeAspect="1"/>
+            </p:cNvPicPr>
+            <p:nvPr/>
+          </p:nvPicPr>
+          <p:blipFill>
+            <a:blip r:embed="rId8" cstate="print"/>
+            <a:stretch>
+              <a:fillRect/>
+            </a:stretch>
+          </p:blipFill>
+          <p:spPr>
+            <a:xfrm>
+              <a:off x="7502371" y="2304921"/>
+              <a:ext cx="2827634" cy="2827634"/>
+            </a:xfrm>
+            <a:prstGeom prst="rect">
+              <a:avLst/>
+            </a:prstGeom>
+          </p:spPr>
+        </p:pic>
+      </p:grpSp>
+      <p:sp>
+        <p:nvSpPr>
+          <p:cNvPr id="19" name="TextBox 18"/>
+          <p:cNvSpPr txBox="1"/>
+          <p:nvPr/>
+        </p:nvSpPr>
+        <p:spPr>
+          <a:xfrm>
+            <a:off x="6927922" y="494891"/>
+            <a:ext cx="2909771" cy="523220"/>
+          </a:xfrm>
+          <a:prstGeom prst="rect">
+            <a:avLst/>
+          </a:prstGeom>
+          <a:noFill/>
+        </p:spPr>
+        <p:txBody>
+          <a:bodyPr wrap="none" rtlCol="0">
+            <a:spAutoFit/>
+          </a:bodyPr>
+          <a:lstStyle/>
+          <a:p>
+            <a:r>
+              <a:rPr lang="ko-KR" altLang="en-US" sz="2800" dirty="0" smtClean="0">
+                <a:latin typeface="나눔바른고딕" panose="020B0603020101020101" pitchFamily="50" charset="-127"/>
+                <a:ea typeface="나눔바른고딕" panose="020B0603020101020101" pitchFamily="50" charset="-127"/>
+              </a:rPr>
+              <a:t>베스트 게시물 조회</a:t>
+            </a:r>
+            <a:endParaRPr lang="ko-KR" altLang="en-US" sz="2800" dirty="0">
+              <a:latin typeface="나눔바른고딕" panose="020B0603020101020101" pitchFamily="50" charset="-127"/>
+              <a:ea typeface="나눔바른고딕" panose="020B0603020101020101" pitchFamily="50" charset="-127"/>
+            </a:endParaRPr>
+          </a:p>
+        </p:txBody>
+      </p:sp>
+      <p:grpSp>
+        <p:nvGrpSpPr>
+          <p:cNvPr id="20" name="그룹 19"/>
+          <p:cNvGrpSpPr/>
+          <p:nvPr/>
+        </p:nvGrpSpPr>
+        <p:grpSpPr>
+          <a:xfrm>
+            <a:off x="8617580" y="5479002"/>
+            <a:ext cx="2827634" cy="2827634"/>
+            <a:chOff x="5347619" y="2304921"/>
+            <a:chExt cx="2827634" cy="2827634"/>
+          </a:xfrm>
+        </p:grpSpPr>
+        <p:pic>
+          <p:nvPicPr>
+            <p:cNvPr id="21" name="Object 22"/>
+            <p:cNvPicPr>
+              <a:picLocks noChangeAspect="1"/>
+            </p:cNvPicPr>
+            <p:nvPr/>
+          </p:nvPicPr>
+          <p:blipFill>
+            <a:blip r:embed="rId9" cstate="print"/>
+            <a:stretch>
+              <a:fillRect/>
+            </a:stretch>
+          </p:blipFill>
+          <p:spPr>
+            <a:xfrm>
+              <a:off x="5347619" y="2304921"/>
+              <a:ext cx="2827634" cy="2827634"/>
+            </a:xfrm>
+            <a:prstGeom prst="rect">
+              <a:avLst/>
+            </a:prstGeom>
+          </p:spPr>
+        </p:pic>
+      </p:grpSp>
+      <p:pic>
+        <p:nvPicPr>
+          <p:cNvPr id="2" name="그림 1"/>
+          <p:cNvPicPr>
+            <a:picLocks noChangeAspect="1"/>
+          </p:cNvPicPr>
+          <p:nvPr/>
+        </p:nvPicPr>
+        <p:blipFill>
+          <a:blip r:embed="rId10">
+            <a:extLst>
+              <a:ext uri="{28A0092B-C50C-407E-A947-70E740481C1C}">
+                <a14:useLocalDpi xmlns:a14="http://schemas.microsoft.com/office/drawing/2010/main" val="0"/>
+              </a:ext>
+            </a:extLst>
+          </a:blip>
+          <a:stretch>
+            <a:fillRect/>
+          </a:stretch>
+        </p:blipFill>
+        <p:spPr>
+          <a:xfrm>
+            <a:off x="264814" y="2497450"/>
+            <a:ext cx="10102482" cy="2265275"/>
+          </a:xfrm>
+          <a:prstGeom prst="rect">
+            <a:avLst/>
+          </a:prstGeom>
+        </p:spPr>
+      </p:pic>
+    </p:spTree>
+    <p:extLst>
+      <p:ext uri="{BB962C8B-B14F-4D97-AF65-F5344CB8AC3E}">
+        <p14:creationId xmlns:p14="http://schemas.microsoft.com/office/powerpoint/2010/main" val="1824592440"/>
+      </p:ext>
+    </p:extLst>
+  </p:cSld>
+  <p:clrMapOvr>
+    <a:masterClrMapping/>
+  </p:clrMapOvr>
+  <p:timing>
+    <p:tnLst>
+      <p:par>
+        <p:cTn id="1" dur="indefinite" restart="never" nodeType="tmRoot"/>
+      </p:par>
+    </p:tnLst>
+  </p:timing>
+</p:sld>
+</file>
+
+<file path=ppt/slides/slide15.xml><?xml version="1.0" encoding="utf-8"?>
+<p:sld xmlns:a="http://schemas.openxmlformats.org/drawingml/2006/main" xmlns:r="http://schemas.openxmlformats.org/officeDocument/2006/relationships" xmlns:p="http://schemas.openxmlformats.org/presentationml/2006/main">
+  <p:cSld>
+    <p:spTree>
+      <p:nvGrpSpPr>
+        <p:cNvPr id="1" name=""/>
+        <p:cNvGrpSpPr/>
+        <p:nvPr/>
+      </p:nvGrpSpPr>
+      <p:grpSpPr>
+        <a:xfrm>
+          <a:off x="0" y="0"/>
+          <a:ext cx="0" cy="0"/>
+          <a:chOff x="0" y="0"/>
+          <a:chExt cx="0" cy="0"/>
+        </a:xfrm>
+      </p:grpSpPr>
+      <p:grpSp>
+        <p:nvGrpSpPr>
+          <p:cNvPr id="4" name="그룹 3"/>
+          <p:cNvGrpSpPr/>
+          <p:nvPr/>
+        </p:nvGrpSpPr>
+        <p:grpSpPr>
+          <a:xfrm>
+            <a:off x="6007763" y="967233"/>
+            <a:ext cx="3737763" cy="152070"/>
+            <a:chOff x="935833" y="2002315"/>
+            <a:chExt cx="3737763" cy="152070"/>
+          </a:xfrm>
+        </p:grpSpPr>
+        <p:pic>
+          <p:nvPicPr>
+            <p:cNvPr id="5" name="Object 4"/>
+            <p:cNvPicPr>
+              <a:picLocks noChangeAspect="1"/>
+            </p:cNvPicPr>
+            <p:nvPr/>
+          </p:nvPicPr>
+          <p:blipFill>
+            <a:blip r:embed="rId2" cstate="print"/>
+            <a:stretch>
+              <a:fillRect/>
+            </a:stretch>
+          </p:blipFill>
+          <p:spPr>
+            <a:xfrm>
+              <a:off x="935833" y="2002315"/>
+              <a:ext cx="3737763" cy="152070"/>
+            </a:xfrm>
+            <a:prstGeom prst="rect">
+              <a:avLst/>
+            </a:prstGeom>
+          </p:spPr>
+        </p:pic>
+      </p:grpSp>
+      <p:grpSp>
+        <p:nvGrpSpPr>
+          <p:cNvPr id="6" name="그룹 5"/>
+          <p:cNvGrpSpPr/>
+          <p:nvPr/>
+        </p:nvGrpSpPr>
+        <p:grpSpPr>
+          <a:xfrm>
+            <a:off x="-43032" y="1209116"/>
+            <a:ext cx="10265300" cy="241230"/>
+            <a:chOff x="255576" y="928328"/>
+            <a:chExt cx="10265300" cy="241230"/>
+          </a:xfrm>
+        </p:grpSpPr>
+        <p:grpSp>
+          <p:nvGrpSpPr>
+            <p:cNvPr id="7" name="그룹 6"/>
+            <p:cNvGrpSpPr/>
+            <p:nvPr/>
+          </p:nvGrpSpPr>
+          <p:grpSpPr>
+            <a:xfrm>
+              <a:off x="1464102" y="997613"/>
+              <a:ext cx="9056774" cy="171945"/>
+              <a:chOff x="1464102" y="997613"/>
+              <a:chExt cx="9056774" cy="171945"/>
+            </a:xfrm>
+          </p:grpSpPr>
+          <p:grpSp>
+            <p:nvGrpSpPr>
+              <p:cNvPr id="9" name="그룹 8"/>
+              <p:cNvGrpSpPr/>
+              <p:nvPr/>
+            </p:nvGrpSpPr>
+            <p:grpSpPr>
+              <a:xfrm>
+                <a:off x="1464102" y="1059890"/>
+                <a:ext cx="8895970" cy="23696"/>
+                <a:chOff x="1464102" y="1059890"/>
+                <a:chExt cx="8895970" cy="23696"/>
+              </a:xfrm>
+            </p:grpSpPr>
+            <p:pic>
+              <p:nvPicPr>
+                <p:cNvPr id="12" name="Object 9"/>
+                <p:cNvPicPr>
+                  <a:picLocks noChangeAspect="1"/>
+                </p:cNvPicPr>
+                <p:nvPr/>
+              </p:nvPicPr>
+              <p:blipFill>
+                <a:blip r:embed="rId3" cstate="print"/>
+                <a:stretch>
+                  <a:fillRect/>
+                </a:stretch>
+              </p:blipFill>
+              <p:spPr>
+                <a:xfrm>
+                  <a:off x="1464102" y="1059890"/>
+                  <a:ext cx="8895970" cy="23696"/>
+                </a:xfrm>
+                <a:prstGeom prst="rect">
+                  <a:avLst/>
+                </a:prstGeom>
+              </p:spPr>
+            </p:pic>
+          </p:grpSp>
+          <p:grpSp>
+            <p:nvGrpSpPr>
+              <p:cNvPr id="10" name="그룹 9"/>
+              <p:cNvGrpSpPr/>
+              <p:nvPr/>
+            </p:nvGrpSpPr>
+            <p:grpSpPr>
+              <a:xfrm>
+                <a:off x="10348931" y="997613"/>
+                <a:ext cx="171945" cy="171945"/>
+                <a:chOff x="10348931" y="997613"/>
+                <a:chExt cx="171945" cy="171945"/>
+              </a:xfrm>
+            </p:grpSpPr>
+            <p:pic>
+              <p:nvPicPr>
+                <p:cNvPr id="11" name="Object 12"/>
+                <p:cNvPicPr>
+                  <a:picLocks noChangeAspect="1"/>
+                </p:cNvPicPr>
+                <p:nvPr/>
+              </p:nvPicPr>
+              <p:blipFill>
+                <a:blip r:embed="rId4" cstate="print"/>
+                <a:stretch>
+                  <a:fillRect/>
+                </a:stretch>
+              </p:blipFill>
+              <p:spPr>
+                <a:xfrm>
+                  <a:off x="10348931" y="997613"/>
+                  <a:ext cx="171945" cy="171945"/>
+                </a:xfrm>
+                <a:prstGeom prst="rect">
+                  <a:avLst/>
+                </a:prstGeom>
+              </p:spPr>
+            </p:pic>
+          </p:grpSp>
+        </p:grpSp>
+        <p:pic>
+          <p:nvPicPr>
+            <p:cNvPr id="8" name="Object 15"/>
+            <p:cNvPicPr>
+              <a:picLocks noChangeAspect="1"/>
+            </p:cNvPicPr>
+            <p:nvPr/>
+          </p:nvPicPr>
+          <p:blipFill>
+            <a:blip r:embed="rId5" cstate="print"/>
+            <a:stretch>
+              <a:fillRect/>
+            </a:stretch>
+          </p:blipFill>
+          <p:spPr>
+            <a:xfrm>
+              <a:off x="255576" y="928328"/>
+              <a:ext cx="615692" cy="207959"/>
+            </a:xfrm>
+            <a:prstGeom prst="rect">
+              <a:avLst/>
+            </a:prstGeom>
+          </p:spPr>
+        </p:pic>
+      </p:grpSp>
+      <p:grpSp>
+        <p:nvGrpSpPr>
+          <p:cNvPr id="13" name="그룹 12"/>
+          <p:cNvGrpSpPr/>
+          <p:nvPr/>
+        </p:nvGrpSpPr>
+        <p:grpSpPr>
+          <a:xfrm>
+            <a:off x="6927922" y="2867025"/>
+            <a:ext cx="4212861" cy="4212861"/>
+            <a:chOff x="6809758" y="1612308"/>
+            <a:chExt cx="4212861" cy="4212861"/>
+          </a:xfrm>
+        </p:grpSpPr>
+        <p:pic>
+          <p:nvPicPr>
+            <p:cNvPr id="14" name="Object 19"/>
+            <p:cNvPicPr>
+              <a:picLocks noChangeAspect="1"/>
+            </p:cNvPicPr>
+            <p:nvPr/>
+          </p:nvPicPr>
+          <p:blipFill>
+            <a:blip r:embed="rId6" cstate="print"/>
+            <a:stretch>
+              <a:fillRect/>
+            </a:stretch>
+          </p:blipFill>
+          <p:spPr>
+            <a:xfrm>
+              <a:off x="6809758" y="1612308"/>
+              <a:ext cx="4212861" cy="4212861"/>
+            </a:xfrm>
+            <a:prstGeom prst="rect">
+              <a:avLst/>
+            </a:prstGeom>
+          </p:spPr>
+        </p:pic>
+      </p:grpSp>
+      <p:grpSp>
+        <p:nvGrpSpPr>
+          <p:cNvPr id="15" name="그룹 14"/>
+          <p:cNvGrpSpPr/>
+          <p:nvPr/>
+        </p:nvGrpSpPr>
+        <p:grpSpPr>
+          <a:xfrm>
+            <a:off x="7203763" y="2585709"/>
+            <a:ext cx="2827634" cy="2827634"/>
+            <a:chOff x="7502371" y="2304921"/>
+            <a:chExt cx="2827634" cy="2827634"/>
+          </a:xfrm>
+        </p:grpSpPr>
+        <p:pic>
+          <p:nvPicPr>
+            <p:cNvPr id="16" name="Object 25"/>
+            <p:cNvPicPr>
+              <a:picLocks noChangeAspect="1"/>
+            </p:cNvPicPr>
+            <p:nvPr/>
+          </p:nvPicPr>
+          <p:blipFill>
+            <a:blip r:embed="rId7" cstate="print"/>
+            <a:stretch>
+              <a:fillRect/>
+            </a:stretch>
+          </p:blipFill>
+          <p:spPr>
+            <a:xfrm>
+              <a:off x="7502371" y="2304921"/>
+              <a:ext cx="2827634" cy="2827634"/>
+            </a:xfrm>
+            <a:prstGeom prst="rect">
+              <a:avLst/>
+            </a:prstGeom>
+          </p:spPr>
+        </p:pic>
+      </p:grpSp>
+      <p:grpSp>
+        <p:nvGrpSpPr>
+          <p:cNvPr id="17" name="그룹 16"/>
+          <p:cNvGrpSpPr/>
+          <p:nvPr/>
+        </p:nvGrpSpPr>
+        <p:grpSpPr>
+          <a:xfrm>
+            <a:off x="5820290" y="4072619"/>
+            <a:ext cx="2827634" cy="2827634"/>
+            <a:chOff x="7502371" y="2304921"/>
+            <a:chExt cx="2827634" cy="2827634"/>
+          </a:xfrm>
+        </p:grpSpPr>
+        <p:pic>
+          <p:nvPicPr>
+            <p:cNvPr id="18" name="Object 28"/>
+            <p:cNvPicPr>
+              <a:picLocks noChangeAspect="1"/>
+            </p:cNvPicPr>
+            <p:nvPr/>
+          </p:nvPicPr>
+          <p:blipFill>
+            <a:blip r:embed="rId8" cstate="print"/>
+            <a:stretch>
+              <a:fillRect/>
+            </a:stretch>
+          </p:blipFill>
+          <p:spPr>
+            <a:xfrm>
+              <a:off x="7502371" y="2304921"/>
+              <a:ext cx="2827634" cy="2827634"/>
+            </a:xfrm>
+            <a:prstGeom prst="rect">
+              <a:avLst/>
+            </a:prstGeom>
+          </p:spPr>
+        </p:pic>
+      </p:grpSp>
+      <p:sp>
+        <p:nvSpPr>
+          <p:cNvPr id="19" name="TextBox 18"/>
+          <p:cNvSpPr txBox="1"/>
+          <p:nvPr/>
+        </p:nvSpPr>
+        <p:spPr>
+          <a:xfrm>
+            <a:off x="7513639" y="484248"/>
+            <a:ext cx="2268570" cy="523220"/>
+          </a:xfrm>
+          <a:prstGeom prst="rect">
+            <a:avLst/>
+          </a:prstGeom>
+          <a:noFill/>
+        </p:spPr>
+        <p:txBody>
+          <a:bodyPr wrap="none" rtlCol="0">
+            <a:spAutoFit/>
+          </a:bodyPr>
+          <a:lstStyle/>
+          <a:p>
+            <a:r>
+              <a:rPr lang="ko-KR" altLang="en-US" sz="2800" smtClean="0">
+                <a:latin typeface="나눔바른고딕" panose="020B0603020101020101" pitchFamily="50" charset="-127"/>
+                <a:ea typeface="나눔바른고딕" panose="020B0603020101020101" pitchFamily="50" charset="-127"/>
+              </a:rPr>
+              <a:t>회원 정지 </a:t>
+            </a:r>
+            <a:r>
+              <a:rPr lang="ko-KR" altLang="en-US" sz="2800" dirty="0" smtClean="0">
+                <a:latin typeface="나눔바른고딕" panose="020B0603020101020101" pitchFamily="50" charset="-127"/>
+                <a:ea typeface="나눔바른고딕" panose="020B0603020101020101" pitchFamily="50" charset="-127"/>
+              </a:rPr>
+              <a:t>해제</a:t>
+            </a:r>
+            <a:endParaRPr lang="ko-KR" altLang="en-US" sz="2800" dirty="0">
+              <a:latin typeface="나눔바른고딕" panose="020B0603020101020101" pitchFamily="50" charset="-127"/>
+              <a:ea typeface="나눔바른고딕" panose="020B0603020101020101" pitchFamily="50" charset="-127"/>
+            </a:endParaRPr>
+          </a:p>
+        </p:txBody>
+      </p:sp>
+      <p:grpSp>
+        <p:nvGrpSpPr>
+          <p:cNvPr id="20" name="그룹 19"/>
+          <p:cNvGrpSpPr/>
+          <p:nvPr/>
+        </p:nvGrpSpPr>
+        <p:grpSpPr>
+          <a:xfrm>
+            <a:off x="8617580" y="5479002"/>
+            <a:ext cx="2827634" cy="2827634"/>
+            <a:chOff x="5347619" y="2304921"/>
+            <a:chExt cx="2827634" cy="2827634"/>
+          </a:xfrm>
+        </p:grpSpPr>
+        <p:pic>
+          <p:nvPicPr>
+            <p:cNvPr id="21" name="Object 22"/>
+            <p:cNvPicPr>
+              <a:picLocks noChangeAspect="1"/>
+            </p:cNvPicPr>
+            <p:nvPr/>
+          </p:nvPicPr>
+          <p:blipFill>
+            <a:blip r:embed="rId9" cstate="print"/>
+            <a:stretch>
+              <a:fillRect/>
+            </a:stretch>
+          </p:blipFill>
+          <p:spPr>
+            <a:xfrm>
+              <a:off x="5347619" y="2304921"/>
+              <a:ext cx="2827634" cy="2827634"/>
+            </a:xfrm>
+            <a:prstGeom prst="rect">
+              <a:avLst/>
+            </a:prstGeom>
+          </p:spPr>
+        </p:pic>
+      </p:grpSp>
+      <p:pic>
+        <p:nvPicPr>
+          <p:cNvPr id="3" name="그림 2"/>
+          <p:cNvPicPr>
+            <a:picLocks noChangeAspect="1"/>
+          </p:cNvPicPr>
+          <p:nvPr/>
+        </p:nvPicPr>
+        <p:blipFill>
+          <a:blip r:embed="rId10">
+            <a:extLst>
+              <a:ext uri="{28A0092B-C50C-407E-A947-70E740481C1C}">
+                <a14:useLocalDpi xmlns:a14="http://schemas.microsoft.com/office/drawing/2010/main" val="0"/>
+              </a:ext>
+            </a:extLst>
+          </a:blip>
+          <a:stretch>
+            <a:fillRect/>
+          </a:stretch>
+        </p:blipFill>
+        <p:spPr>
+          <a:xfrm>
+            <a:off x="90487" y="2324897"/>
+            <a:ext cx="10440423" cy="2946151"/>
+          </a:xfrm>
+          <a:prstGeom prst="rect">
+            <a:avLst/>
+          </a:prstGeom>
+        </p:spPr>
+      </p:pic>
+    </p:spTree>
+    <p:extLst>
+      <p:ext uri="{BB962C8B-B14F-4D97-AF65-F5344CB8AC3E}">
+        <p14:creationId xmlns:p14="http://schemas.microsoft.com/office/powerpoint/2010/main" val="3382554020"/>
+      </p:ext>
+    </p:extLst>
+  </p:cSld>
+  <p:clrMapOvr>
+    <a:masterClrMapping/>
+  </p:clrMapOvr>
+  <p:timing>
+    <p:tnLst>
+      <p:par>
+        <p:cTn id="1" dur="indefinite" restart="never" nodeType="tmRoot"/>
+      </p:par>
+    </p:tnLst>
+  </p:timing>
+</p:sld>
+</file>
+
+<file path=ppt/slides/slide16.xml><?xml version="1.0" encoding="utf-8"?>
+<p:sld xmlns:a="http://schemas.openxmlformats.org/drawingml/2006/main" xmlns:r="http://schemas.openxmlformats.org/officeDocument/2006/relationships" xmlns:p="http://schemas.openxmlformats.org/presentationml/2006/main">
+  <p:cSld>
+    <p:spTree>
+      <p:nvGrpSpPr>
+        <p:cNvPr id="1" name=""/>
+        <p:cNvGrpSpPr/>
+        <p:nvPr/>
+      </p:nvGrpSpPr>
+      <p:grpSpPr>
+        <a:xfrm>
+          <a:off x="0" y="0"/>
+          <a:ext cx="0" cy="0"/>
+          <a:chOff x="0" y="0"/>
+          <a:chExt cx="0" cy="0"/>
+        </a:xfrm>
+      </p:grpSpPr>
+      <p:grpSp>
+        <p:nvGrpSpPr>
           <p:cNvPr id="1001" name="그룹 1001"/>
           <p:cNvGrpSpPr/>
           <p:nvPr/>
@@ -5214,7 +6083,7 @@
 </p:sld>
 </file>
 
-<file path=ppt/slides/slide15.xml><?xml version="1.0" encoding="utf-8"?>
+<file path=ppt/slides/slide17.xml><?xml version="1.0" encoding="utf-8"?>
 <p:sld xmlns:a="http://schemas.openxmlformats.org/drawingml/2006/main" xmlns:r="http://schemas.openxmlformats.org/officeDocument/2006/relationships" xmlns:p="http://schemas.openxmlformats.org/presentationml/2006/main">
   <p:cSld name="Slide 8">
     <p:bg>
@@ -6536,7 +7405,7 @@
         </p:nvGrpSpPr>
         <p:grpSpPr>
           <a:xfrm>
-            <a:off x="-133690" y="717212"/>
+            <a:off x="-366713" y="722440"/>
             <a:ext cx="3609643" cy="6183185"/>
             <a:chOff x="-133690" y="717212"/>
             <a:chExt cx="3609643" cy="6183185"/>
@@ -6567,6 +7436,54 @@
           </p:spPr>
         </p:pic>
       </p:grpSp>
+      <p:sp>
+        <p:nvSpPr>
+          <p:cNvPr id="5" name="타원 4"/>
+          <p:cNvSpPr/>
+          <p:nvPr/>
+        </p:nvSpPr>
+        <p:spPr>
+          <a:xfrm>
+            <a:off x="0" y="1136287"/>
+            <a:ext cx="9204465" cy="5464538"/>
+          </a:xfrm>
+          <a:prstGeom prst="ellipse">
+            <a:avLst/>
+          </a:prstGeom>
+          <a:solidFill>
+            <a:schemeClr val="bg1"/>
+          </a:solidFill>
+          <a:ln>
+            <a:solidFill>
+              <a:schemeClr val="bg1"/>
+            </a:solidFill>
+          </a:ln>
+        </p:spPr>
+        <p:style>
+          <a:lnRef idx="2">
+            <a:schemeClr val="accent1">
+              <a:shade val="50000"/>
+            </a:schemeClr>
+          </a:lnRef>
+          <a:fillRef idx="1">
+            <a:schemeClr val="accent1"/>
+          </a:fillRef>
+          <a:effectRef idx="0">
+            <a:schemeClr val="accent1"/>
+          </a:effectRef>
+          <a:fontRef idx="minor">
+            <a:schemeClr val="lt1"/>
+          </a:fontRef>
+        </p:style>
+        <p:txBody>
+          <a:bodyPr rtlCol="0" anchor="ctr"/>
+          <a:lstStyle/>
+          <a:p>
+            <a:pPr algn="ctr"/>
+            <a:endParaRPr lang="ko-KR" altLang="en-US"/>
+          </a:p>
+        </p:txBody>
+      </p:sp>
       <p:grpSp>
         <p:nvGrpSpPr>
           <p:cNvPr id="1004" name="그룹 1004"/>
@@ -6767,54 +7684,6 @@
               </a:rPr>
               <a:t>표</a:t>
             </a:r>
-          </a:p>
-        </p:txBody>
-      </p:sp>
-      <p:sp>
-        <p:nvSpPr>
-          <p:cNvPr id="8" name="직사각형 7"/>
-          <p:cNvSpPr/>
-          <p:nvPr/>
-        </p:nvSpPr>
-        <p:spPr>
-          <a:xfrm>
-            <a:off x="395287" y="1415121"/>
-            <a:ext cx="9144000" cy="4652304"/>
-          </a:xfrm>
-          <a:prstGeom prst="rect">
-            <a:avLst/>
-          </a:prstGeom>
-          <a:solidFill>
-            <a:schemeClr val="bg1"/>
-          </a:solidFill>
-          <a:ln>
-            <a:solidFill>
-              <a:schemeClr val="bg1"/>
-            </a:solidFill>
-          </a:ln>
-        </p:spPr>
-        <p:style>
-          <a:lnRef idx="2">
-            <a:schemeClr val="accent1">
-              <a:shade val="50000"/>
-            </a:schemeClr>
-          </a:lnRef>
-          <a:fillRef idx="1">
-            <a:schemeClr val="accent1"/>
-          </a:fillRef>
-          <a:effectRef idx="0">
-            <a:schemeClr val="accent1"/>
-          </a:effectRef>
-          <a:fontRef idx="minor">
-            <a:schemeClr val="lt1"/>
-          </a:fontRef>
-        </p:style>
-        <p:txBody>
-          <a:bodyPr rtlCol="0" anchor="ctr"/>
-          <a:lstStyle/>
-          <a:p>
-            <a:pPr algn="ctr"/>
-            <a:endParaRPr lang="ko-KR" altLang="en-US"/>
           </a:p>
         </p:txBody>
       </p:sp>

--- a/ppt/miniproject.pptx
+++ b/ppt/miniproject.pptx
@@ -4,6 +4,9 @@
   <p:sldMasterIdLst>
     <p:sldMasterId id="2147483648" r:id="rId1"/>
   </p:sldMasterIdLst>
+  <p:notesMasterIdLst>
+    <p:notesMasterId r:id="rId19"/>
+  </p:notesMasterIdLst>
   <p:sldIdLst>
     <p:sldId id="256" r:id="rId2"/>
     <p:sldId id="257" r:id="rId3"/>
@@ -137,6 +140,440 @@
     </p:ext>
   </p:extLst>
 </p:presentation>
+</file>
+
+<file path=ppt/notesMasters/notesMaster1.xml><?xml version="1.0" encoding="utf-8"?>
+<p:notesMaster xmlns:a="http://schemas.openxmlformats.org/drawingml/2006/main" xmlns:r="http://schemas.openxmlformats.org/officeDocument/2006/relationships" xmlns:p="http://schemas.openxmlformats.org/presentationml/2006/main">
+  <p:cSld>
+    <p:bg>
+      <p:bgRef idx="1001">
+        <a:schemeClr val="bg1"/>
+      </p:bgRef>
+    </p:bg>
+    <p:spTree>
+      <p:nvGrpSpPr>
+        <p:cNvPr id="1" name=""/>
+        <p:cNvGrpSpPr/>
+        <p:nvPr/>
+      </p:nvGrpSpPr>
+      <p:grpSpPr>
+        <a:xfrm>
+          <a:off x="0" y="0"/>
+          <a:ext cx="0" cy="0"/>
+          <a:chOff x="0" y="0"/>
+          <a:chExt cx="0" cy="0"/>
+        </a:xfrm>
+      </p:grpSpPr>
+      <p:sp>
+        <p:nvSpPr>
+          <p:cNvPr id="2" name="머리글 개체 틀 1"/>
+          <p:cNvSpPr>
+            <a:spLocks noGrp="1"/>
+          </p:cNvSpPr>
+          <p:nvPr>
+            <p:ph type="hdr" sz="quarter"/>
+          </p:nvPr>
+        </p:nvSpPr>
+        <p:spPr>
+          <a:xfrm>
+            <a:off x="0" y="0"/>
+            <a:ext cx="3276600" cy="536575"/>
+          </a:xfrm>
+          <a:prstGeom prst="rect">
+            <a:avLst/>
+          </a:prstGeom>
+        </p:spPr>
+        <p:txBody>
+          <a:bodyPr vert="horz" lIns="91440" tIns="45720" rIns="91440" bIns="45720" rtlCol="0"/>
+          <a:lstStyle>
+            <a:lvl1pPr algn="l">
+              <a:defRPr sz="1200"/>
+            </a:lvl1pPr>
+          </a:lstStyle>
+          <a:p>
+            <a:endParaRPr lang="ko-KR" altLang="en-US"/>
+          </a:p>
+        </p:txBody>
+      </p:sp>
+      <p:sp>
+        <p:nvSpPr>
+          <p:cNvPr id="3" name="날짜 개체 틀 2"/>
+          <p:cNvSpPr>
+            <a:spLocks noGrp="1"/>
+          </p:cNvSpPr>
+          <p:nvPr>
+            <p:ph type="dt" idx="1"/>
+          </p:nvPr>
+        </p:nvSpPr>
+        <p:spPr>
+          <a:xfrm>
+            <a:off x="4283075" y="0"/>
+            <a:ext cx="3278188" cy="536575"/>
+          </a:xfrm>
+          <a:prstGeom prst="rect">
+            <a:avLst/>
+          </a:prstGeom>
+        </p:spPr>
+        <p:txBody>
+          <a:bodyPr vert="horz" lIns="91440" tIns="45720" rIns="91440" bIns="45720" rtlCol="0"/>
+          <a:lstStyle>
+            <a:lvl1pPr algn="r">
+              <a:defRPr sz="1200"/>
+            </a:lvl1pPr>
+          </a:lstStyle>
+          <a:p>
+            <a:fld id="{1444561D-3F66-4413-8BAA-A96819004E40}" type="datetimeFigureOut">
+              <a:rPr lang="ko-KR" altLang="en-US" smtClean="0"/>
+              <a:t>2022-11-16</a:t>
+            </a:fld>
+            <a:endParaRPr lang="ko-KR" altLang="en-US"/>
+          </a:p>
+        </p:txBody>
+      </p:sp>
+      <p:sp>
+        <p:nvSpPr>
+          <p:cNvPr id="4" name="슬라이드 이미지 개체 틀 3"/>
+          <p:cNvSpPr>
+            <a:spLocks noGrp="1" noRot="1" noChangeAspect="1"/>
+          </p:cNvSpPr>
+          <p:nvPr>
+            <p:ph type="sldImg" idx="2"/>
+          </p:nvPr>
+        </p:nvSpPr>
+        <p:spPr>
+          <a:xfrm>
+            <a:off x="1228725" y="1336675"/>
+            <a:ext cx="5105400" cy="3609975"/>
+          </a:xfrm>
+          <a:prstGeom prst="rect">
+            <a:avLst/>
+          </a:prstGeom>
+          <a:noFill/>
+          <a:ln w="12700">
+            <a:solidFill>
+              <a:prstClr val="black"/>
+            </a:solidFill>
+          </a:ln>
+        </p:spPr>
+        <p:txBody>
+          <a:bodyPr vert="horz" lIns="91440" tIns="45720" rIns="91440" bIns="45720" rtlCol="0" anchor="ctr"/>
+          <a:lstStyle/>
+          <a:p>
+            <a:endParaRPr lang="ko-KR" altLang="en-US"/>
+          </a:p>
+        </p:txBody>
+      </p:sp>
+      <p:sp>
+        <p:nvSpPr>
+          <p:cNvPr id="5" name="슬라이드 노트 개체 틀 4"/>
+          <p:cNvSpPr>
+            <a:spLocks noGrp="1"/>
+          </p:cNvSpPr>
+          <p:nvPr>
+            <p:ph type="body" sz="quarter" idx="3"/>
+          </p:nvPr>
+        </p:nvSpPr>
+        <p:spPr>
+          <a:xfrm>
+            <a:off x="755650" y="5148263"/>
+            <a:ext cx="6051550" cy="4211637"/>
+          </a:xfrm>
+          <a:prstGeom prst="rect">
+            <a:avLst/>
+          </a:prstGeom>
+        </p:spPr>
+        <p:txBody>
+          <a:bodyPr vert="horz" lIns="91440" tIns="45720" rIns="91440" bIns="45720" rtlCol="0"/>
+          <a:lstStyle/>
+          <a:p>
+            <a:pPr lvl="0"/>
+            <a:r>
+              <a:rPr lang="ko-KR" altLang="en-US" smtClean="0"/>
+              <a:t>마스터 텍스트 스타일 편집</a:t>
+            </a:r>
+          </a:p>
+          <a:p>
+            <a:pPr lvl="1"/>
+            <a:r>
+              <a:rPr lang="ko-KR" altLang="en-US" smtClean="0"/>
+              <a:t>둘째 수준</a:t>
+            </a:r>
+          </a:p>
+          <a:p>
+            <a:pPr lvl="2"/>
+            <a:r>
+              <a:rPr lang="ko-KR" altLang="en-US" smtClean="0"/>
+              <a:t>셋째 수준</a:t>
+            </a:r>
+          </a:p>
+          <a:p>
+            <a:pPr lvl="3"/>
+            <a:r>
+              <a:rPr lang="ko-KR" altLang="en-US" smtClean="0"/>
+              <a:t>넷째 수준</a:t>
+            </a:r>
+          </a:p>
+          <a:p>
+            <a:pPr lvl="4"/>
+            <a:r>
+              <a:rPr lang="ko-KR" altLang="en-US" smtClean="0"/>
+              <a:t>다섯째 수준</a:t>
+            </a:r>
+            <a:endParaRPr lang="ko-KR" altLang="en-US"/>
+          </a:p>
+        </p:txBody>
+      </p:sp>
+      <p:sp>
+        <p:nvSpPr>
+          <p:cNvPr id="6" name="바닥글 개체 틀 5"/>
+          <p:cNvSpPr>
+            <a:spLocks noGrp="1"/>
+          </p:cNvSpPr>
+          <p:nvPr>
+            <p:ph type="ftr" sz="quarter" idx="4"/>
+          </p:nvPr>
+        </p:nvSpPr>
+        <p:spPr>
+          <a:xfrm>
+            <a:off x="0" y="10160000"/>
+            <a:ext cx="3276600" cy="536575"/>
+          </a:xfrm>
+          <a:prstGeom prst="rect">
+            <a:avLst/>
+          </a:prstGeom>
+        </p:spPr>
+        <p:txBody>
+          <a:bodyPr vert="horz" lIns="91440" tIns="45720" rIns="91440" bIns="45720" rtlCol="0" anchor="b"/>
+          <a:lstStyle>
+            <a:lvl1pPr algn="l">
+              <a:defRPr sz="1200"/>
+            </a:lvl1pPr>
+          </a:lstStyle>
+          <a:p>
+            <a:endParaRPr lang="ko-KR" altLang="en-US"/>
+          </a:p>
+        </p:txBody>
+      </p:sp>
+      <p:sp>
+        <p:nvSpPr>
+          <p:cNvPr id="7" name="슬라이드 번호 개체 틀 6"/>
+          <p:cNvSpPr>
+            <a:spLocks noGrp="1"/>
+          </p:cNvSpPr>
+          <p:nvPr>
+            <p:ph type="sldNum" sz="quarter" idx="5"/>
+          </p:nvPr>
+        </p:nvSpPr>
+        <p:spPr>
+          <a:xfrm>
+            <a:off x="4283075" y="10160000"/>
+            <a:ext cx="3278188" cy="536575"/>
+          </a:xfrm>
+          <a:prstGeom prst="rect">
+            <a:avLst/>
+          </a:prstGeom>
+        </p:spPr>
+        <p:txBody>
+          <a:bodyPr vert="horz" lIns="91440" tIns="45720" rIns="91440" bIns="45720" rtlCol="0" anchor="b"/>
+          <a:lstStyle>
+            <a:lvl1pPr algn="r">
+              <a:defRPr sz="1200"/>
+            </a:lvl1pPr>
+          </a:lstStyle>
+          <a:p>
+            <a:fld id="{34C45F05-0F86-4854-AA7D-2DE5A939EE0C}" type="slidenum">
+              <a:rPr lang="ko-KR" altLang="en-US" smtClean="0"/>
+              <a:t>‹#›</a:t>
+            </a:fld>
+            <a:endParaRPr lang="ko-KR" altLang="en-US"/>
+          </a:p>
+        </p:txBody>
+      </p:sp>
+    </p:spTree>
+    <p:extLst>
+      <p:ext uri="{BB962C8B-B14F-4D97-AF65-F5344CB8AC3E}">
+        <p14:creationId xmlns:p14="http://schemas.microsoft.com/office/powerpoint/2010/main" val="2307538103"/>
+      </p:ext>
+    </p:extLst>
+  </p:cSld>
+  <p:clrMap bg1="lt1" tx1="dk1" bg2="lt2" tx2="dk2" accent1="accent1" accent2="accent2" accent3="accent3" accent4="accent4" accent5="accent5" accent6="accent6" hlink="hlink" folHlink="folHlink"/>
+  <p:notesStyle>
+    <a:lvl1pPr marL="0" algn="l" defTabSz="914400" rtl="0" eaLnBrk="1" latinLnBrk="1" hangingPunct="1">
+      <a:defRPr sz="1200" kern="1200">
+        <a:solidFill>
+          <a:schemeClr val="tx1"/>
+        </a:solidFill>
+        <a:latin typeface="+mn-lt"/>
+        <a:ea typeface="+mn-ea"/>
+        <a:cs typeface="+mn-cs"/>
+      </a:defRPr>
+    </a:lvl1pPr>
+    <a:lvl2pPr marL="457200" algn="l" defTabSz="914400" rtl="0" eaLnBrk="1" latinLnBrk="1" hangingPunct="1">
+      <a:defRPr sz="1200" kern="1200">
+        <a:solidFill>
+          <a:schemeClr val="tx1"/>
+        </a:solidFill>
+        <a:latin typeface="+mn-lt"/>
+        <a:ea typeface="+mn-ea"/>
+        <a:cs typeface="+mn-cs"/>
+      </a:defRPr>
+    </a:lvl2pPr>
+    <a:lvl3pPr marL="914400" algn="l" defTabSz="914400" rtl="0" eaLnBrk="1" latinLnBrk="1" hangingPunct="1">
+      <a:defRPr sz="1200" kern="1200">
+        <a:solidFill>
+          <a:schemeClr val="tx1"/>
+        </a:solidFill>
+        <a:latin typeface="+mn-lt"/>
+        <a:ea typeface="+mn-ea"/>
+        <a:cs typeface="+mn-cs"/>
+      </a:defRPr>
+    </a:lvl3pPr>
+    <a:lvl4pPr marL="1371600" algn="l" defTabSz="914400" rtl="0" eaLnBrk="1" latinLnBrk="1" hangingPunct="1">
+      <a:defRPr sz="1200" kern="1200">
+        <a:solidFill>
+          <a:schemeClr val="tx1"/>
+        </a:solidFill>
+        <a:latin typeface="+mn-lt"/>
+        <a:ea typeface="+mn-ea"/>
+        <a:cs typeface="+mn-cs"/>
+      </a:defRPr>
+    </a:lvl4pPr>
+    <a:lvl5pPr marL="1828800" algn="l" defTabSz="914400" rtl="0" eaLnBrk="1" latinLnBrk="1" hangingPunct="1">
+      <a:defRPr sz="1200" kern="1200">
+        <a:solidFill>
+          <a:schemeClr val="tx1"/>
+        </a:solidFill>
+        <a:latin typeface="+mn-lt"/>
+        <a:ea typeface="+mn-ea"/>
+        <a:cs typeface="+mn-cs"/>
+      </a:defRPr>
+    </a:lvl5pPr>
+    <a:lvl6pPr marL="2286000" algn="l" defTabSz="914400" rtl="0" eaLnBrk="1" latinLnBrk="1" hangingPunct="1">
+      <a:defRPr sz="1200" kern="1200">
+        <a:solidFill>
+          <a:schemeClr val="tx1"/>
+        </a:solidFill>
+        <a:latin typeface="+mn-lt"/>
+        <a:ea typeface="+mn-ea"/>
+        <a:cs typeface="+mn-cs"/>
+      </a:defRPr>
+    </a:lvl6pPr>
+    <a:lvl7pPr marL="2743200" algn="l" defTabSz="914400" rtl="0" eaLnBrk="1" latinLnBrk="1" hangingPunct="1">
+      <a:defRPr sz="1200" kern="1200">
+        <a:solidFill>
+          <a:schemeClr val="tx1"/>
+        </a:solidFill>
+        <a:latin typeface="+mn-lt"/>
+        <a:ea typeface="+mn-ea"/>
+        <a:cs typeface="+mn-cs"/>
+      </a:defRPr>
+    </a:lvl7pPr>
+    <a:lvl8pPr marL="3200400" algn="l" defTabSz="914400" rtl="0" eaLnBrk="1" latinLnBrk="1" hangingPunct="1">
+      <a:defRPr sz="1200" kern="1200">
+        <a:solidFill>
+          <a:schemeClr val="tx1"/>
+        </a:solidFill>
+        <a:latin typeface="+mn-lt"/>
+        <a:ea typeface="+mn-ea"/>
+        <a:cs typeface="+mn-cs"/>
+      </a:defRPr>
+    </a:lvl8pPr>
+    <a:lvl9pPr marL="3657600" algn="l" defTabSz="914400" rtl="0" eaLnBrk="1" latinLnBrk="1" hangingPunct="1">
+      <a:defRPr sz="1200" kern="1200">
+        <a:solidFill>
+          <a:schemeClr val="tx1"/>
+        </a:solidFill>
+        <a:latin typeface="+mn-lt"/>
+        <a:ea typeface="+mn-ea"/>
+        <a:cs typeface="+mn-cs"/>
+      </a:defRPr>
+    </a:lvl9pPr>
+  </p:notesStyle>
+</p:notesMaster>
+</file>
+
+<file path=ppt/notesSlides/notesSlide1.xml><?xml version="1.0" encoding="utf-8"?>
+<p:notes xmlns:a="http://schemas.openxmlformats.org/drawingml/2006/main" xmlns:r="http://schemas.openxmlformats.org/officeDocument/2006/relationships" xmlns:p="http://schemas.openxmlformats.org/presentationml/2006/main">
+  <p:cSld>
+    <p:spTree>
+      <p:nvGrpSpPr>
+        <p:cNvPr id="1" name=""/>
+        <p:cNvGrpSpPr/>
+        <p:nvPr/>
+      </p:nvGrpSpPr>
+      <p:grpSpPr>
+        <a:xfrm>
+          <a:off x="0" y="0"/>
+          <a:ext cx="0" cy="0"/>
+          <a:chOff x="0" y="0"/>
+          <a:chExt cx="0" cy="0"/>
+        </a:xfrm>
+      </p:grpSpPr>
+      <p:sp>
+        <p:nvSpPr>
+          <p:cNvPr id="2" name="슬라이드 이미지 개체 틀 1"/>
+          <p:cNvSpPr>
+            <a:spLocks noGrp="1" noRot="1" noChangeAspect="1"/>
+          </p:cNvSpPr>
+          <p:nvPr>
+            <p:ph type="sldImg"/>
+          </p:nvPr>
+        </p:nvSpPr>
+        <p:spPr/>
+      </p:sp>
+      <p:sp>
+        <p:nvSpPr>
+          <p:cNvPr id="3" name="슬라이드 노트 개체 틀 2"/>
+          <p:cNvSpPr>
+            <a:spLocks noGrp="1"/>
+          </p:cNvSpPr>
+          <p:nvPr>
+            <p:ph type="body" idx="1"/>
+          </p:nvPr>
+        </p:nvSpPr>
+        <p:spPr/>
+        <p:txBody>
+          <a:bodyPr/>
+          <a:lstStyle/>
+          <a:p>
+            <a:endParaRPr lang="ko-KR" altLang="en-US" dirty="0"/>
+          </a:p>
+        </p:txBody>
+      </p:sp>
+      <p:sp>
+        <p:nvSpPr>
+          <p:cNvPr id="4" name="슬라이드 번호 개체 틀 3"/>
+          <p:cNvSpPr>
+            <a:spLocks noGrp="1"/>
+          </p:cNvSpPr>
+          <p:nvPr>
+            <p:ph type="sldNum" sz="quarter" idx="10"/>
+          </p:nvPr>
+        </p:nvSpPr>
+        <p:spPr/>
+        <p:txBody>
+          <a:bodyPr/>
+          <a:lstStyle/>
+          <a:p>
+            <a:fld id="{34C45F05-0F86-4854-AA7D-2DE5A939EE0C}" type="slidenum">
+              <a:rPr lang="ko-KR" altLang="en-US" smtClean="0"/>
+              <a:t>13</a:t>
+            </a:fld>
+            <a:endParaRPr lang="ko-KR" altLang="en-US"/>
+          </a:p>
+        </p:txBody>
+      </p:sp>
+    </p:spTree>
+    <p:extLst>
+      <p:ext uri="{BB962C8B-B14F-4D97-AF65-F5344CB8AC3E}">
+        <p14:creationId xmlns:p14="http://schemas.microsoft.com/office/powerpoint/2010/main" val="3796762006"/>
+      </p:ext>
+    </p:extLst>
+  </p:cSld>
+  <p:clrMapOvr>
+    <a:masterClrMapping/>
+  </p:clrMapOvr>
+</p:notes>
 </file>
 
 <file path=ppt/slideLayouts/slideLayout1.xml><?xml version="1.0" encoding="utf-8"?>
@@ -4037,7 +4474,7 @@
       </p:grpSp>
       <p:pic>
         <p:nvPicPr>
-          <p:cNvPr id="42" name="그림 41"/>
+          <p:cNvPr id="2" name="그림 1"/>
           <p:cNvPicPr>
             <a:picLocks noChangeAspect="1"/>
           </p:cNvPicPr>
@@ -4057,8 +4494,8 @@
         </p:blipFill>
         <p:spPr>
           <a:xfrm>
-            <a:off x="697020" y="1340678"/>
-            <a:ext cx="9439275" cy="4991100"/>
+            <a:off x="348529" y="1565163"/>
+            <a:ext cx="9886422" cy="5227533"/>
           </a:xfrm>
           <a:prstGeom prst="rect">
             <a:avLst/>
@@ -4555,6 +4992,436 @@
             <p:nvPr/>
           </p:nvPicPr>
           <p:blipFill>
+            <a:blip r:embed="rId3" cstate="print"/>
+            <a:stretch>
+              <a:fillRect/>
+            </a:stretch>
+          </p:blipFill>
+          <p:spPr>
+            <a:xfrm>
+              <a:off x="935833" y="2002315"/>
+              <a:ext cx="3737763" cy="152070"/>
+            </a:xfrm>
+            <a:prstGeom prst="rect">
+              <a:avLst/>
+            </a:prstGeom>
+          </p:spPr>
+        </p:pic>
+      </p:grpSp>
+      <p:grpSp>
+        <p:nvGrpSpPr>
+          <p:cNvPr id="6" name="그룹 5"/>
+          <p:cNvGrpSpPr/>
+          <p:nvPr/>
+        </p:nvGrpSpPr>
+        <p:grpSpPr>
+          <a:xfrm>
+            <a:off x="-43032" y="1209116"/>
+            <a:ext cx="10265300" cy="241230"/>
+            <a:chOff x="255576" y="928328"/>
+            <a:chExt cx="10265300" cy="241230"/>
+          </a:xfrm>
+        </p:grpSpPr>
+        <p:grpSp>
+          <p:nvGrpSpPr>
+            <p:cNvPr id="7" name="그룹 6"/>
+            <p:cNvGrpSpPr/>
+            <p:nvPr/>
+          </p:nvGrpSpPr>
+          <p:grpSpPr>
+            <a:xfrm>
+              <a:off x="1464102" y="997613"/>
+              <a:ext cx="9056774" cy="171945"/>
+              <a:chOff x="1464102" y="997613"/>
+              <a:chExt cx="9056774" cy="171945"/>
+            </a:xfrm>
+          </p:grpSpPr>
+          <p:grpSp>
+            <p:nvGrpSpPr>
+              <p:cNvPr id="9" name="그룹 8"/>
+              <p:cNvGrpSpPr/>
+              <p:nvPr/>
+            </p:nvGrpSpPr>
+            <p:grpSpPr>
+              <a:xfrm>
+                <a:off x="1464102" y="1059890"/>
+                <a:ext cx="8895970" cy="23696"/>
+                <a:chOff x="1464102" y="1059890"/>
+                <a:chExt cx="8895970" cy="23696"/>
+              </a:xfrm>
+            </p:grpSpPr>
+            <p:pic>
+              <p:nvPicPr>
+                <p:cNvPr id="12" name="Object 9"/>
+                <p:cNvPicPr>
+                  <a:picLocks noChangeAspect="1"/>
+                </p:cNvPicPr>
+                <p:nvPr/>
+              </p:nvPicPr>
+              <p:blipFill>
+                <a:blip r:embed="rId4" cstate="print"/>
+                <a:stretch>
+                  <a:fillRect/>
+                </a:stretch>
+              </p:blipFill>
+              <p:spPr>
+                <a:xfrm>
+                  <a:off x="1464102" y="1059890"/>
+                  <a:ext cx="8895970" cy="23696"/>
+                </a:xfrm>
+                <a:prstGeom prst="rect">
+                  <a:avLst/>
+                </a:prstGeom>
+              </p:spPr>
+            </p:pic>
+          </p:grpSp>
+          <p:grpSp>
+            <p:nvGrpSpPr>
+              <p:cNvPr id="10" name="그룹 9"/>
+              <p:cNvGrpSpPr/>
+              <p:nvPr/>
+            </p:nvGrpSpPr>
+            <p:grpSpPr>
+              <a:xfrm>
+                <a:off x="10348931" y="997613"/>
+                <a:ext cx="171945" cy="171945"/>
+                <a:chOff x="10348931" y="997613"/>
+                <a:chExt cx="171945" cy="171945"/>
+              </a:xfrm>
+            </p:grpSpPr>
+            <p:pic>
+              <p:nvPicPr>
+                <p:cNvPr id="11" name="Object 12"/>
+                <p:cNvPicPr>
+                  <a:picLocks noChangeAspect="1"/>
+                </p:cNvPicPr>
+                <p:nvPr/>
+              </p:nvPicPr>
+              <p:blipFill>
+                <a:blip r:embed="rId5" cstate="print"/>
+                <a:stretch>
+                  <a:fillRect/>
+                </a:stretch>
+              </p:blipFill>
+              <p:spPr>
+                <a:xfrm>
+                  <a:off x="10348931" y="997613"/>
+                  <a:ext cx="171945" cy="171945"/>
+                </a:xfrm>
+                <a:prstGeom prst="rect">
+                  <a:avLst/>
+                </a:prstGeom>
+              </p:spPr>
+            </p:pic>
+          </p:grpSp>
+        </p:grpSp>
+        <p:pic>
+          <p:nvPicPr>
+            <p:cNvPr id="8" name="Object 15"/>
+            <p:cNvPicPr>
+              <a:picLocks noChangeAspect="1"/>
+            </p:cNvPicPr>
+            <p:nvPr/>
+          </p:nvPicPr>
+          <p:blipFill>
+            <a:blip r:embed="rId6" cstate="print"/>
+            <a:stretch>
+              <a:fillRect/>
+            </a:stretch>
+          </p:blipFill>
+          <p:spPr>
+            <a:xfrm>
+              <a:off x="255576" y="928328"/>
+              <a:ext cx="615692" cy="207959"/>
+            </a:xfrm>
+            <a:prstGeom prst="rect">
+              <a:avLst/>
+            </a:prstGeom>
+          </p:spPr>
+        </p:pic>
+      </p:grpSp>
+      <p:grpSp>
+        <p:nvGrpSpPr>
+          <p:cNvPr id="13" name="그룹 12"/>
+          <p:cNvGrpSpPr/>
+          <p:nvPr/>
+        </p:nvGrpSpPr>
+        <p:grpSpPr>
+          <a:xfrm>
+            <a:off x="6927922" y="2867025"/>
+            <a:ext cx="4212861" cy="4212861"/>
+            <a:chOff x="6809758" y="1612308"/>
+            <a:chExt cx="4212861" cy="4212861"/>
+          </a:xfrm>
+        </p:grpSpPr>
+        <p:pic>
+          <p:nvPicPr>
+            <p:cNvPr id="14" name="Object 19"/>
+            <p:cNvPicPr>
+              <a:picLocks noChangeAspect="1"/>
+            </p:cNvPicPr>
+            <p:nvPr/>
+          </p:nvPicPr>
+          <p:blipFill>
+            <a:blip r:embed="rId7" cstate="print"/>
+            <a:stretch>
+              <a:fillRect/>
+            </a:stretch>
+          </p:blipFill>
+          <p:spPr>
+            <a:xfrm>
+              <a:off x="6809758" y="1612308"/>
+              <a:ext cx="4212861" cy="4212861"/>
+            </a:xfrm>
+            <a:prstGeom prst="rect">
+              <a:avLst/>
+            </a:prstGeom>
+          </p:spPr>
+        </p:pic>
+      </p:grpSp>
+      <p:grpSp>
+        <p:nvGrpSpPr>
+          <p:cNvPr id="15" name="그룹 14"/>
+          <p:cNvGrpSpPr/>
+          <p:nvPr/>
+        </p:nvGrpSpPr>
+        <p:grpSpPr>
+          <a:xfrm>
+            <a:off x="7203763" y="2585709"/>
+            <a:ext cx="2827634" cy="2827634"/>
+            <a:chOff x="7502371" y="2304921"/>
+            <a:chExt cx="2827634" cy="2827634"/>
+          </a:xfrm>
+        </p:grpSpPr>
+        <p:pic>
+          <p:nvPicPr>
+            <p:cNvPr id="16" name="Object 25"/>
+            <p:cNvPicPr>
+              <a:picLocks noChangeAspect="1"/>
+            </p:cNvPicPr>
+            <p:nvPr/>
+          </p:nvPicPr>
+          <p:blipFill>
+            <a:blip r:embed="rId8" cstate="print"/>
+            <a:stretch>
+              <a:fillRect/>
+            </a:stretch>
+          </p:blipFill>
+          <p:spPr>
+            <a:xfrm>
+              <a:off x="7502371" y="2304921"/>
+              <a:ext cx="2827634" cy="2827634"/>
+            </a:xfrm>
+            <a:prstGeom prst="rect">
+              <a:avLst/>
+            </a:prstGeom>
+          </p:spPr>
+        </p:pic>
+      </p:grpSp>
+      <p:grpSp>
+        <p:nvGrpSpPr>
+          <p:cNvPr id="17" name="그룹 16"/>
+          <p:cNvGrpSpPr/>
+          <p:nvPr/>
+        </p:nvGrpSpPr>
+        <p:grpSpPr>
+          <a:xfrm>
+            <a:off x="5820290" y="4072619"/>
+            <a:ext cx="2827634" cy="2827634"/>
+            <a:chOff x="7502371" y="2304921"/>
+            <a:chExt cx="2827634" cy="2827634"/>
+          </a:xfrm>
+        </p:grpSpPr>
+        <p:pic>
+          <p:nvPicPr>
+            <p:cNvPr id="18" name="Object 28"/>
+            <p:cNvPicPr>
+              <a:picLocks noChangeAspect="1"/>
+            </p:cNvPicPr>
+            <p:nvPr/>
+          </p:nvPicPr>
+          <p:blipFill>
+            <a:blip r:embed="rId9" cstate="print"/>
+            <a:stretch>
+              <a:fillRect/>
+            </a:stretch>
+          </p:blipFill>
+          <p:spPr>
+            <a:xfrm>
+              <a:off x="7502371" y="2304921"/>
+              <a:ext cx="2827634" cy="2827634"/>
+            </a:xfrm>
+            <a:prstGeom prst="rect">
+              <a:avLst/>
+            </a:prstGeom>
+          </p:spPr>
+        </p:pic>
+      </p:grpSp>
+      <p:sp>
+        <p:nvSpPr>
+          <p:cNvPr id="19" name="TextBox 18"/>
+          <p:cNvSpPr txBox="1"/>
+          <p:nvPr/>
+        </p:nvSpPr>
+        <p:spPr>
+          <a:xfrm>
+            <a:off x="8300819" y="464306"/>
+            <a:ext cx="1226618" cy="523220"/>
+          </a:xfrm>
+          <a:prstGeom prst="rect">
+            <a:avLst/>
+          </a:prstGeom>
+          <a:noFill/>
+        </p:spPr>
+        <p:txBody>
+          <a:bodyPr wrap="none" rtlCol="0">
+            <a:spAutoFit/>
+          </a:bodyPr>
+          <a:lstStyle/>
+          <a:p>
+            <a:r>
+              <a:rPr lang="ko-KR" altLang="en-US" sz="2800" dirty="0" smtClean="0">
+                <a:latin typeface="나눔바른고딕" panose="020B0603020101020101" pitchFamily="50" charset="-127"/>
+                <a:ea typeface="나눔바른고딕" panose="020B0603020101020101" pitchFamily="50" charset="-127"/>
+              </a:rPr>
+              <a:t>글 작성</a:t>
+            </a:r>
+            <a:endParaRPr lang="ko-KR" altLang="en-US" sz="2800" dirty="0">
+              <a:latin typeface="나눔바른고딕" panose="020B0603020101020101" pitchFamily="50" charset="-127"/>
+              <a:ea typeface="나눔바른고딕" panose="020B0603020101020101" pitchFamily="50" charset="-127"/>
+            </a:endParaRPr>
+          </a:p>
+        </p:txBody>
+      </p:sp>
+      <p:grpSp>
+        <p:nvGrpSpPr>
+          <p:cNvPr id="20" name="그룹 19"/>
+          <p:cNvGrpSpPr/>
+          <p:nvPr/>
+        </p:nvGrpSpPr>
+        <p:grpSpPr>
+          <a:xfrm>
+            <a:off x="8617580" y="5479002"/>
+            <a:ext cx="2827634" cy="2827634"/>
+            <a:chOff x="5347619" y="2304921"/>
+            <a:chExt cx="2827634" cy="2827634"/>
+          </a:xfrm>
+        </p:grpSpPr>
+        <p:pic>
+          <p:nvPicPr>
+            <p:cNvPr id="21" name="Object 22"/>
+            <p:cNvPicPr>
+              <a:picLocks noChangeAspect="1"/>
+            </p:cNvPicPr>
+            <p:nvPr/>
+          </p:nvPicPr>
+          <p:blipFill>
+            <a:blip r:embed="rId10" cstate="print"/>
+            <a:stretch>
+              <a:fillRect/>
+            </a:stretch>
+          </p:blipFill>
+          <p:spPr>
+            <a:xfrm>
+              <a:off x="5347619" y="2304921"/>
+              <a:ext cx="2827634" cy="2827634"/>
+            </a:xfrm>
+            <a:prstGeom prst="rect">
+              <a:avLst/>
+            </a:prstGeom>
+          </p:spPr>
+        </p:pic>
+      </p:grpSp>
+      <p:pic>
+        <p:nvPicPr>
+          <p:cNvPr id="2" name="그림 1"/>
+          <p:cNvPicPr>
+            <a:picLocks noChangeAspect="1"/>
+          </p:cNvPicPr>
+          <p:nvPr/>
+        </p:nvPicPr>
+        <p:blipFill>
+          <a:blip r:embed="rId11">
+            <a:extLst>
+              <a:ext uri="{28A0092B-C50C-407E-A947-70E740481C1C}">
+                <a14:useLocalDpi xmlns:a14="http://schemas.microsoft.com/office/drawing/2010/main" val="0"/>
+              </a:ext>
+            </a:extLst>
+          </a:blip>
+          <a:stretch>
+            <a:fillRect/>
+          </a:stretch>
+        </p:blipFill>
+        <p:spPr>
+          <a:xfrm>
+            <a:off x="166687" y="1698391"/>
+            <a:ext cx="10246905" cy="4489412"/>
+          </a:xfrm>
+          <a:prstGeom prst="rect">
+            <a:avLst/>
+          </a:prstGeom>
+        </p:spPr>
+      </p:pic>
+    </p:spTree>
+    <p:extLst>
+      <p:ext uri="{BB962C8B-B14F-4D97-AF65-F5344CB8AC3E}">
+        <p14:creationId xmlns:p14="http://schemas.microsoft.com/office/powerpoint/2010/main" val="2169273958"/>
+      </p:ext>
+    </p:extLst>
+  </p:cSld>
+  <p:clrMapOvr>
+    <a:masterClrMapping/>
+  </p:clrMapOvr>
+  <p:timing>
+    <p:tnLst>
+      <p:par>
+        <p:cTn id="1" dur="indefinite" restart="never" nodeType="tmRoot"/>
+      </p:par>
+    </p:tnLst>
+  </p:timing>
+</p:sld>
+</file>
+
+<file path=ppt/slides/slide14.xml><?xml version="1.0" encoding="utf-8"?>
+<p:sld xmlns:a="http://schemas.openxmlformats.org/drawingml/2006/main" xmlns:r="http://schemas.openxmlformats.org/officeDocument/2006/relationships" xmlns:p="http://schemas.openxmlformats.org/presentationml/2006/main">
+  <p:cSld>
+    <p:spTree>
+      <p:nvGrpSpPr>
+        <p:cNvPr id="1" name=""/>
+        <p:cNvGrpSpPr/>
+        <p:nvPr/>
+      </p:nvGrpSpPr>
+      <p:grpSpPr>
+        <a:xfrm>
+          <a:off x="0" y="0"/>
+          <a:ext cx="0" cy="0"/>
+          <a:chOff x="0" y="0"/>
+          <a:chExt cx="0" cy="0"/>
+        </a:xfrm>
+      </p:grpSpPr>
+      <p:grpSp>
+        <p:nvGrpSpPr>
+          <p:cNvPr id="4" name="그룹 3"/>
+          <p:cNvGrpSpPr/>
+          <p:nvPr/>
+        </p:nvGrpSpPr>
+        <p:grpSpPr>
+          <a:xfrm>
+            <a:off x="6007763" y="967233"/>
+            <a:ext cx="3737763" cy="152070"/>
+            <a:chOff x="935833" y="2002315"/>
+            <a:chExt cx="3737763" cy="152070"/>
+          </a:xfrm>
+        </p:grpSpPr>
+        <p:pic>
+          <p:nvPicPr>
+            <p:cNvPr id="5" name="Object 4"/>
+            <p:cNvPicPr>
+              <a:picLocks noChangeAspect="1"/>
+            </p:cNvPicPr>
+            <p:nvPr/>
+          </p:nvPicPr>
+          <p:blipFill>
             <a:blip r:embed="rId2" cstate="print"/>
             <a:stretch>
               <a:fillRect/>
@@ -4828,8 +5695,8 @@
         </p:nvSpPr>
         <p:spPr>
           <a:xfrm>
-            <a:off x="8300819" y="464306"/>
-            <a:ext cx="1226618" cy="523220"/>
+            <a:off x="6927922" y="494891"/>
+            <a:ext cx="2909771" cy="523220"/>
           </a:xfrm>
           <a:prstGeom prst="rect">
             <a:avLst/>
@@ -4847,7 +5714,7 @@
                 <a:latin typeface="나눔바른고딕" panose="020B0603020101020101" pitchFamily="50" charset="-127"/>
                 <a:ea typeface="나눔바른고딕" panose="020B0603020101020101" pitchFamily="50" charset="-127"/>
               </a:rPr>
-              <a:t>글 작성</a:t>
+              <a:t>베스트 게시물 조회</a:t>
             </a:r>
             <a:endParaRPr lang="ko-KR" altLang="en-US" sz="2800" dirty="0">
               <a:latin typeface="나눔바른고딕" panose="020B0603020101020101" pitchFamily="50" charset="-127"/>
@@ -4897,7 +5764,7 @@
       </p:grpSp>
       <p:pic>
         <p:nvPicPr>
-          <p:cNvPr id="23" name="그림 22"/>
+          <p:cNvPr id="3" name="그림 2"/>
           <p:cNvPicPr>
             <a:picLocks noChangeAspect="1"/>
           </p:cNvPicPr>
@@ -4917,438 +5784,8 @@
         </p:blipFill>
         <p:spPr>
           <a:xfrm>
-            <a:off x="264814" y="1644387"/>
-            <a:ext cx="10185140" cy="4557876"/>
-          </a:xfrm>
-          <a:prstGeom prst="rect">
-            <a:avLst/>
-          </a:prstGeom>
-        </p:spPr>
-      </p:pic>
-    </p:spTree>
-    <p:extLst>
-      <p:ext uri="{BB962C8B-B14F-4D97-AF65-F5344CB8AC3E}">
-        <p14:creationId xmlns:p14="http://schemas.microsoft.com/office/powerpoint/2010/main" val="2169273958"/>
-      </p:ext>
-    </p:extLst>
-  </p:cSld>
-  <p:clrMapOvr>
-    <a:masterClrMapping/>
-  </p:clrMapOvr>
-  <p:timing>
-    <p:tnLst>
-      <p:par>
-        <p:cTn id="1" dur="indefinite" restart="never" nodeType="tmRoot"/>
-      </p:par>
-    </p:tnLst>
-  </p:timing>
-</p:sld>
-</file>
-
-<file path=ppt/slides/slide14.xml><?xml version="1.0" encoding="utf-8"?>
-<p:sld xmlns:a="http://schemas.openxmlformats.org/drawingml/2006/main" xmlns:r="http://schemas.openxmlformats.org/officeDocument/2006/relationships" xmlns:p="http://schemas.openxmlformats.org/presentationml/2006/main">
-  <p:cSld>
-    <p:spTree>
-      <p:nvGrpSpPr>
-        <p:cNvPr id="1" name=""/>
-        <p:cNvGrpSpPr/>
-        <p:nvPr/>
-      </p:nvGrpSpPr>
-      <p:grpSpPr>
-        <a:xfrm>
-          <a:off x="0" y="0"/>
-          <a:ext cx="0" cy="0"/>
-          <a:chOff x="0" y="0"/>
-          <a:chExt cx="0" cy="0"/>
-        </a:xfrm>
-      </p:grpSpPr>
-      <p:grpSp>
-        <p:nvGrpSpPr>
-          <p:cNvPr id="4" name="그룹 3"/>
-          <p:cNvGrpSpPr/>
-          <p:nvPr/>
-        </p:nvGrpSpPr>
-        <p:grpSpPr>
-          <a:xfrm>
-            <a:off x="6007763" y="967233"/>
-            <a:ext cx="3737763" cy="152070"/>
-            <a:chOff x="935833" y="2002315"/>
-            <a:chExt cx="3737763" cy="152070"/>
-          </a:xfrm>
-        </p:grpSpPr>
-        <p:pic>
-          <p:nvPicPr>
-            <p:cNvPr id="5" name="Object 4"/>
-            <p:cNvPicPr>
-              <a:picLocks noChangeAspect="1"/>
-            </p:cNvPicPr>
-            <p:nvPr/>
-          </p:nvPicPr>
-          <p:blipFill>
-            <a:blip r:embed="rId2" cstate="print"/>
-            <a:stretch>
-              <a:fillRect/>
-            </a:stretch>
-          </p:blipFill>
-          <p:spPr>
-            <a:xfrm>
-              <a:off x="935833" y="2002315"/>
-              <a:ext cx="3737763" cy="152070"/>
-            </a:xfrm>
-            <a:prstGeom prst="rect">
-              <a:avLst/>
-            </a:prstGeom>
-          </p:spPr>
-        </p:pic>
-      </p:grpSp>
-      <p:grpSp>
-        <p:nvGrpSpPr>
-          <p:cNvPr id="6" name="그룹 5"/>
-          <p:cNvGrpSpPr/>
-          <p:nvPr/>
-        </p:nvGrpSpPr>
-        <p:grpSpPr>
-          <a:xfrm>
-            <a:off x="-43032" y="1209116"/>
-            <a:ext cx="10265300" cy="241230"/>
-            <a:chOff x="255576" y="928328"/>
-            <a:chExt cx="10265300" cy="241230"/>
-          </a:xfrm>
-        </p:grpSpPr>
-        <p:grpSp>
-          <p:nvGrpSpPr>
-            <p:cNvPr id="7" name="그룹 6"/>
-            <p:cNvGrpSpPr/>
-            <p:nvPr/>
-          </p:nvGrpSpPr>
-          <p:grpSpPr>
-            <a:xfrm>
-              <a:off x="1464102" y="997613"/>
-              <a:ext cx="9056774" cy="171945"/>
-              <a:chOff x="1464102" y="997613"/>
-              <a:chExt cx="9056774" cy="171945"/>
-            </a:xfrm>
-          </p:grpSpPr>
-          <p:grpSp>
-            <p:nvGrpSpPr>
-              <p:cNvPr id="9" name="그룹 8"/>
-              <p:cNvGrpSpPr/>
-              <p:nvPr/>
-            </p:nvGrpSpPr>
-            <p:grpSpPr>
-              <a:xfrm>
-                <a:off x="1464102" y="1059890"/>
-                <a:ext cx="8895970" cy="23696"/>
-                <a:chOff x="1464102" y="1059890"/>
-                <a:chExt cx="8895970" cy="23696"/>
-              </a:xfrm>
-            </p:grpSpPr>
-            <p:pic>
-              <p:nvPicPr>
-                <p:cNvPr id="12" name="Object 9"/>
-                <p:cNvPicPr>
-                  <a:picLocks noChangeAspect="1"/>
-                </p:cNvPicPr>
-                <p:nvPr/>
-              </p:nvPicPr>
-              <p:blipFill>
-                <a:blip r:embed="rId3" cstate="print"/>
-                <a:stretch>
-                  <a:fillRect/>
-                </a:stretch>
-              </p:blipFill>
-              <p:spPr>
-                <a:xfrm>
-                  <a:off x="1464102" y="1059890"/>
-                  <a:ext cx="8895970" cy="23696"/>
-                </a:xfrm>
-                <a:prstGeom prst="rect">
-                  <a:avLst/>
-                </a:prstGeom>
-              </p:spPr>
-            </p:pic>
-          </p:grpSp>
-          <p:grpSp>
-            <p:nvGrpSpPr>
-              <p:cNvPr id="10" name="그룹 9"/>
-              <p:cNvGrpSpPr/>
-              <p:nvPr/>
-            </p:nvGrpSpPr>
-            <p:grpSpPr>
-              <a:xfrm>
-                <a:off x="10348931" y="997613"/>
-                <a:ext cx="171945" cy="171945"/>
-                <a:chOff x="10348931" y="997613"/>
-                <a:chExt cx="171945" cy="171945"/>
-              </a:xfrm>
-            </p:grpSpPr>
-            <p:pic>
-              <p:nvPicPr>
-                <p:cNvPr id="11" name="Object 12"/>
-                <p:cNvPicPr>
-                  <a:picLocks noChangeAspect="1"/>
-                </p:cNvPicPr>
-                <p:nvPr/>
-              </p:nvPicPr>
-              <p:blipFill>
-                <a:blip r:embed="rId4" cstate="print"/>
-                <a:stretch>
-                  <a:fillRect/>
-                </a:stretch>
-              </p:blipFill>
-              <p:spPr>
-                <a:xfrm>
-                  <a:off x="10348931" y="997613"/>
-                  <a:ext cx="171945" cy="171945"/>
-                </a:xfrm>
-                <a:prstGeom prst="rect">
-                  <a:avLst/>
-                </a:prstGeom>
-              </p:spPr>
-            </p:pic>
-          </p:grpSp>
-        </p:grpSp>
-        <p:pic>
-          <p:nvPicPr>
-            <p:cNvPr id="8" name="Object 15"/>
-            <p:cNvPicPr>
-              <a:picLocks noChangeAspect="1"/>
-            </p:cNvPicPr>
-            <p:nvPr/>
-          </p:nvPicPr>
-          <p:blipFill>
-            <a:blip r:embed="rId5" cstate="print"/>
-            <a:stretch>
-              <a:fillRect/>
-            </a:stretch>
-          </p:blipFill>
-          <p:spPr>
-            <a:xfrm>
-              <a:off x="255576" y="928328"/>
-              <a:ext cx="615692" cy="207959"/>
-            </a:xfrm>
-            <a:prstGeom prst="rect">
-              <a:avLst/>
-            </a:prstGeom>
-          </p:spPr>
-        </p:pic>
-      </p:grpSp>
-      <p:grpSp>
-        <p:nvGrpSpPr>
-          <p:cNvPr id="13" name="그룹 12"/>
-          <p:cNvGrpSpPr/>
-          <p:nvPr/>
-        </p:nvGrpSpPr>
-        <p:grpSpPr>
-          <a:xfrm>
-            <a:off x="6927922" y="2867025"/>
-            <a:ext cx="4212861" cy="4212861"/>
-            <a:chOff x="6809758" y="1612308"/>
-            <a:chExt cx="4212861" cy="4212861"/>
-          </a:xfrm>
-        </p:grpSpPr>
-        <p:pic>
-          <p:nvPicPr>
-            <p:cNvPr id="14" name="Object 19"/>
-            <p:cNvPicPr>
-              <a:picLocks noChangeAspect="1"/>
-            </p:cNvPicPr>
-            <p:nvPr/>
-          </p:nvPicPr>
-          <p:blipFill>
-            <a:blip r:embed="rId6" cstate="print"/>
-            <a:stretch>
-              <a:fillRect/>
-            </a:stretch>
-          </p:blipFill>
-          <p:spPr>
-            <a:xfrm>
-              <a:off x="6809758" y="1612308"/>
-              <a:ext cx="4212861" cy="4212861"/>
-            </a:xfrm>
-            <a:prstGeom prst="rect">
-              <a:avLst/>
-            </a:prstGeom>
-          </p:spPr>
-        </p:pic>
-      </p:grpSp>
-      <p:grpSp>
-        <p:nvGrpSpPr>
-          <p:cNvPr id="15" name="그룹 14"/>
-          <p:cNvGrpSpPr/>
-          <p:nvPr/>
-        </p:nvGrpSpPr>
-        <p:grpSpPr>
-          <a:xfrm>
-            <a:off x="7203763" y="2585709"/>
-            <a:ext cx="2827634" cy="2827634"/>
-            <a:chOff x="7502371" y="2304921"/>
-            <a:chExt cx="2827634" cy="2827634"/>
-          </a:xfrm>
-        </p:grpSpPr>
-        <p:pic>
-          <p:nvPicPr>
-            <p:cNvPr id="16" name="Object 25"/>
-            <p:cNvPicPr>
-              <a:picLocks noChangeAspect="1"/>
-            </p:cNvPicPr>
-            <p:nvPr/>
-          </p:nvPicPr>
-          <p:blipFill>
-            <a:blip r:embed="rId7" cstate="print"/>
-            <a:stretch>
-              <a:fillRect/>
-            </a:stretch>
-          </p:blipFill>
-          <p:spPr>
-            <a:xfrm>
-              <a:off x="7502371" y="2304921"/>
-              <a:ext cx="2827634" cy="2827634"/>
-            </a:xfrm>
-            <a:prstGeom prst="rect">
-              <a:avLst/>
-            </a:prstGeom>
-          </p:spPr>
-        </p:pic>
-      </p:grpSp>
-      <p:grpSp>
-        <p:nvGrpSpPr>
-          <p:cNvPr id="17" name="그룹 16"/>
-          <p:cNvGrpSpPr/>
-          <p:nvPr/>
-        </p:nvGrpSpPr>
-        <p:grpSpPr>
-          <a:xfrm>
-            <a:off x="5820290" y="4072619"/>
-            <a:ext cx="2827634" cy="2827634"/>
-            <a:chOff x="7502371" y="2304921"/>
-            <a:chExt cx="2827634" cy="2827634"/>
-          </a:xfrm>
-        </p:grpSpPr>
-        <p:pic>
-          <p:nvPicPr>
-            <p:cNvPr id="18" name="Object 28"/>
-            <p:cNvPicPr>
-              <a:picLocks noChangeAspect="1"/>
-            </p:cNvPicPr>
-            <p:nvPr/>
-          </p:nvPicPr>
-          <p:blipFill>
-            <a:blip r:embed="rId8" cstate="print"/>
-            <a:stretch>
-              <a:fillRect/>
-            </a:stretch>
-          </p:blipFill>
-          <p:spPr>
-            <a:xfrm>
-              <a:off x="7502371" y="2304921"/>
-              <a:ext cx="2827634" cy="2827634"/>
-            </a:xfrm>
-            <a:prstGeom prst="rect">
-              <a:avLst/>
-            </a:prstGeom>
-          </p:spPr>
-        </p:pic>
-      </p:grpSp>
-      <p:sp>
-        <p:nvSpPr>
-          <p:cNvPr id="19" name="TextBox 18"/>
-          <p:cNvSpPr txBox="1"/>
-          <p:nvPr/>
-        </p:nvSpPr>
-        <p:spPr>
-          <a:xfrm>
-            <a:off x="6927922" y="494891"/>
-            <a:ext cx="2909771" cy="523220"/>
-          </a:xfrm>
-          <a:prstGeom prst="rect">
-            <a:avLst/>
-          </a:prstGeom>
-          <a:noFill/>
-        </p:spPr>
-        <p:txBody>
-          <a:bodyPr wrap="none" rtlCol="0">
-            <a:spAutoFit/>
-          </a:bodyPr>
-          <a:lstStyle/>
-          <a:p>
-            <a:r>
-              <a:rPr lang="ko-KR" altLang="en-US" sz="2800" dirty="0" smtClean="0">
-                <a:latin typeface="나눔바른고딕" panose="020B0603020101020101" pitchFamily="50" charset="-127"/>
-                <a:ea typeface="나눔바른고딕" panose="020B0603020101020101" pitchFamily="50" charset="-127"/>
-              </a:rPr>
-              <a:t>베스트 게시물 조회</a:t>
-            </a:r>
-            <a:endParaRPr lang="ko-KR" altLang="en-US" sz="2800" dirty="0">
-              <a:latin typeface="나눔바른고딕" panose="020B0603020101020101" pitchFamily="50" charset="-127"/>
-              <a:ea typeface="나눔바른고딕" panose="020B0603020101020101" pitchFamily="50" charset="-127"/>
-            </a:endParaRPr>
-          </a:p>
-        </p:txBody>
-      </p:sp>
-      <p:grpSp>
-        <p:nvGrpSpPr>
-          <p:cNvPr id="20" name="그룹 19"/>
-          <p:cNvGrpSpPr/>
-          <p:nvPr/>
-        </p:nvGrpSpPr>
-        <p:grpSpPr>
-          <a:xfrm>
-            <a:off x="8617580" y="5479002"/>
-            <a:ext cx="2827634" cy="2827634"/>
-            <a:chOff x="5347619" y="2304921"/>
-            <a:chExt cx="2827634" cy="2827634"/>
-          </a:xfrm>
-        </p:grpSpPr>
-        <p:pic>
-          <p:nvPicPr>
-            <p:cNvPr id="21" name="Object 22"/>
-            <p:cNvPicPr>
-              <a:picLocks noChangeAspect="1"/>
-            </p:cNvPicPr>
-            <p:nvPr/>
-          </p:nvPicPr>
-          <p:blipFill>
-            <a:blip r:embed="rId9" cstate="print"/>
-            <a:stretch>
-              <a:fillRect/>
-            </a:stretch>
-          </p:blipFill>
-          <p:spPr>
-            <a:xfrm>
-              <a:off x="5347619" y="2304921"/>
-              <a:ext cx="2827634" cy="2827634"/>
-            </a:xfrm>
-            <a:prstGeom prst="rect">
-              <a:avLst/>
-            </a:prstGeom>
-          </p:spPr>
-        </p:pic>
-      </p:grpSp>
-      <p:pic>
-        <p:nvPicPr>
-          <p:cNvPr id="2" name="그림 1"/>
-          <p:cNvPicPr>
-            <a:picLocks noChangeAspect="1"/>
-          </p:cNvPicPr>
-          <p:nvPr/>
-        </p:nvPicPr>
-        <p:blipFill>
-          <a:blip r:embed="rId10">
-            <a:extLst>
-              <a:ext uri="{28A0092B-C50C-407E-A947-70E740481C1C}">
-                <a14:useLocalDpi xmlns:a14="http://schemas.microsoft.com/office/drawing/2010/main" val="0"/>
-              </a:ext>
-            </a:extLst>
-          </a:blip>
-          <a:stretch>
-            <a:fillRect/>
-          </a:stretch>
-        </p:blipFill>
-        <p:spPr>
-          <a:xfrm>
-            <a:off x="264814" y="2497450"/>
-            <a:ext cx="10102482" cy="2265275"/>
+            <a:off x="166687" y="2508500"/>
+            <a:ext cx="10383025" cy="2328181"/>
           </a:xfrm>
           <a:prstGeom prst="rect">
             <a:avLst/>
@@ -10163,4 +10600,265 @@
   <a:objectDefaults/>
   <a:extraClrSchemeLst/>
 </a:theme>
+</file>
+
+<file path=ppt/theme/theme2.xml><?xml version="1.0" encoding="utf-8"?>
+<a:theme xmlns:a="http://schemas.openxmlformats.org/drawingml/2006/main" name="Office 테마">
+  <a:themeElements>
+    <a:clrScheme name="Office">
+      <a:dk1>
+        <a:sysClr val="windowText" lastClr="000000"/>
+      </a:dk1>
+      <a:lt1>
+        <a:sysClr val="window" lastClr="FFFFFF"/>
+      </a:lt1>
+      <a:dk2>
+        <a:srgbClr val="44546A"/>
+      </a:dk2>
+      <a:lt2>
+        <a:srgbClr val="E7E6E6"/>
+      </a:lt2>
+      <a:accent1>
+        <a:srgbClr val="5B9BD5"/>
+      </a:accent1>
+      <a:accent2>
+        <a:srgbClr val="ED7D31"/>
+      </a:accent2>
+      <a:accent3>
+        <a:srgbClr val="A5A5A5"/>
+      </a:accent3>
+      <a:accent4>
+        <a:srgbClr val="FFC000"/>
+      </a:accent4>
+      <a:accent5>
+        <a:srgbClr val="4472C4"/>
+      </a:accent5>
+      <a:accent6>
+        <a:srgbClr val="70AD47"/>
+      </a:accent6>
+      <a:hlink>
+        <a:srgbClr val="0563C1"/>
+      </a:hlink>
+      <a:folHlink>
+        <a:srgbClr val="954F72"/>
+      </a:folHlink>
+    </a:clrScheme>
+    <a:fontScheme name="Office">
+      <a:majorFont>
+        <a:latin typeface="맑은 고딕" panose="020F0302020204030204"/>
+        <a:ea typeface=""/>
+        <a:cs typeface=""/>
+        <a:font script="Jpan" typeface="游ゴシック Light"/>
+        <a:font script="Hang" typeface="맑은 고딕"/>
+        <a:font script="Hans" typeface="等线 Light"/>
+        <a:font script="Hant" typeface="新細明體"/>
+        <a:font script="Arab" typeface="Times New Roman"/>
+        <a:font script="Hebr" typeface="Times New Roman"/>
+        <a:font script="Thai" typeface="Angsana New"/>
+        <a:font script="Ethi" typeface="Nyala"/>
+        <a:font script="Beng" typeface="Vrinda"/>
+        <a:font script="Gujr" typeface="Shruti"/>
+        <a:font script="Khmr" typeface="MoolBoran"/>
+        <a:font script="Knda" typeface="Tunga"/>
+        <a:font script="Guru" typeface="Raavi"/>
+        <a:font script="Cans" typeface="Euphemia"/>
+        <a:font script="Cher" typeface="Plantagenet Cherokee"/>
+        <a:font script="Yiii" typeface="Microsoft Yi Baiti"/>
+        <a:font script="Tibt" typeface="Microsoft Himalaya"/>
+        <a:font script="Thaa" typeface="MV Boli"/>
+        <a:font script="Deva" typeface="Mangal"/>
+        <a:font script="Telu" typeface="Gautami"/>
+        <a:font script="Taml" typeface="Latha"/>
+        <a:font script="Syrc" typeface="Estrangelo Edessa"/>
+        <a:font script="Orya" typeface="Kalinga"/>
+        <a:font script="Mlym" typeface="Kartika"/>
+        <a:font script="Laoo" typeface="DokChampa"/>
+        <a:font script="Sinh" typeface="Iskoola Pota"/>
+        <a:font script="Mong" typeface="Mongolian Baiti"/>
+        <a:font script="Viet" typeface="Times New Roman"/>
+        <a:font script="Uigh" typeface="Microsoft Uighur"/>
+        <a:font script="Geor" typeface="Sylfaen"/>
+      </a:majorFont>
+      <a:minorFont>
+        <a:latin typeface="맑은 고딕" panose="020F0502020204030204"/>
+        <a:ea typeface=""/>
+        <a:cs typeface=""/>
+        <a:font script="Jpan" typeface="游ゴシック"/>
+        <a:font script="Hang" typeface="맑은 고딕"/>
+        <a:font script="Hans" typeface="等线"/>
+        <a:font script="Hant" typeface="新細明體"/>
+        <a:font script="Arab" typeface="Arial"/>
+        <a:font script="Hebr" typeface="Arial"/>
+        <a:font script="Thai" typeface="Cordia New"/>
+        <a:font script="Ethi" typeface="Nyala"/>
+        <a:font script="Beng" typeface="Vrinda"/>
+        <a:font script="Gujr" typeface="Shruti"/>
+        <a:font script="Khmr" typeface="DaunPenh"/>
+        <a:font script="Knda" typeface="Tunga"/>
+        <a:font script="Guru" typeface="Raavi"/>
+        <a:font script="Cans" typeface="Euphemia"/>
+        <a:font script="Cher" typeface="Plantagenet Cherokee"/>
+        <a:font script="Yiii" typeface="Microsoft Yi Baiti"/>
+        <a:font script="Tibt" typeface="Microsoft Himalaya"/>
+        <a:font script="Thaa" typeface="MV Boli"/>
+        <a:font script="Deva" typeface="Mangal"/>
+        <a:font script="Telu" typeface="Gautami"/>
+        <a:font script="Taml" typeface="Latha"/>
+        <a:font script="Syrc" typeface="Estrangelo Edessa"/>
+        <a:font script="Orya" typeface="Kalinga"/>
+        <a:font script="Mlym" typeface="Kartika"/>
+        <a:font script="Laoo" typeface="DokChampa"/>
+        <a:font script="Sinh" typeface="Iskoola Pota"/>
+        <a:font script="Mong" typeface="Mongolian Baiti"/>
+        <a:font script="Viet" typeface="Arial"/>
+        <a:font script="Uigh" typeface="Microsoft Uighur"/>
+        <a:font script="Geor" typeface="Sylfaen"/>
+      </a:minorFont>
+    </a:fontScheme>
+    <a:fmtScheme name="Office">
+      <a:fillStyleLst>
+        <a:solidFill>
+          <a:schemeClr val="phClr"/>
+        </a:solidFill>
+        <a:gradFill rotWithShape="1">
+          <a:gsLst>
+            <a:gs pos="0">
+              <a:schemeClr val="phClr">
+                <a:lumMod val="110000"/>
+                <a:satMod val="105000"/>
+                <a:tint val="67000"/>
+              </a:schemeClr>
+            </a:gs>
+            <a:gs pos="50000">
+              <a:schemeClr val="phClr">
+                <a:lumMod val="105000"/>
+                <a:satMod val="103000"/>
+                <a:tint val="73000"/>
+              </a:schemeClr>
+            </a:gs>
+            <a:gs pos="100000">
+              <a:schemeClr val="phClr">
+                <a:lumMod val="105000"/>
+                <a:satMod val="109000"/>
+                <a:tint val="81000"/>
+              </a:schemeClr>
+            </a:gs>
+          </a:gsLst>
+          <a:lin ang="5400000" scaled="0"/>
+        </a:gradFill>
+        <a:gradFill rotWithShape="1">
+          <a:gsLst>
+            <a:gs pos="0">
+              <a:schemeClr val="phClr">
+                <a:satMod val="103000"/>
+                <a:lumMod val="102000"/>
+                <a:tint val="94000"/>
+              </a:schemeClr>
+            </a:gs>
+            <a:gs pos="50000">
+              <a:schemeClr val="phClr">
+                <a:satMod val="110000"/>
+                <a:lumMod val="100000"/>
+                <a:shade val="100000"/>
+              </a:schemeClr>
+            </a:gs>
+            <a:gs pos="100000">
+              <a:schemeClr val="phClr">
+                <a:lumMod val="99000"/>
+                <a:satMod val="120000"/>
+                <a:shade val="78000"/>
+              </a:schemeClr>
+            </a:gs>
+          </a:gsLst>
+          <a:lin ang="5400000" scaled="0"/>
+        </a:gradFill>
+      </a:fillStyleLst>
+      <a:lnStyleLst>
+        <a:ln w="6350" cap="flat" cmpd="sng" algn="ctr">
+          <a:solidFill>
+            <a:schemeClr val="phClr"/>
+          </a:solidFill>
+          <a:prstDash val="solid"/>
+          <a:miter lim="800000"/>
+        </a:ln>
+        <a:ln w="12700" cap="flat" cmpd="sng" algn="ctr">
+          <a:solidFill>
+            <a:schemeClr val="phClr"/>
+          </a:solidFill>
+          <a:prstDash val="solid"/>
+          <a:miter lim="800000"/>
+        </a:ln>
+        <a:ln w="19050" cap="flat" cmpd="sng" algn="ctr">
+          <a:solidFill>
+            <a:schemeClr val="phClr"/>
+          </a:solidFill>
+          <a:prstDash val="solid"/>
+          <a:miter lim="800000"/>
+        </a:ln>
+      </a:lnStyleLst>
+      <a:effectStyleLst>
+        <a:effectStyle>
+          <a:effectLst/>
+        </a:effectStyle>
+        <a:effectStyle>
+          <a:effectLst/>
+        </a:effectStyle>
+        <a:effectStyle>
+          <a:effectLst>
+            <a:outerShdw blurRad="57150" dist="19050" dir="5400000" algn="ctr" rotWithShape="0">
+              <a:srgbClr val="000000">
+                <a:alpha val="63000"/>
+              </a:srgbClr>
+            </a:outerShdw>
+          </a:effectLst>
+        </a:effectStyle>
+      </a:effectStyleLst>
+      <a:bgFillStyleLst>
+        <a:solidFill>
+          <a:schemeClr val="phClr"/>
+        </a:solidFill>
+        <a:solidFill>
+          <a:schemeClr val="phClr">
+            <a:tint val="95000"/>
+            <a:satMod val="170000"/>
+          </a:schemeClr>
+        </a:solidFill>
+        <a:gradFill rotWithShape="1">
+          <a:gsLst>
+            <a:gs pos="0">
+              <a:schemeClr val="phClr">
+                <a:tint val="93000"/>
+                <a:satMod val="150000"/>
+                <a:shade val="98000"/>
+                <a:lumMod val="102000"/>
+              </a:schemeClr>
+            </a:gs>
+            <a:gs pos="50000">
+              <a:schemeClr val="phClr">
+                <a:tint val="98000"/>
+                <a:satMod val="130000"/>
+                <a:shade val="90000"/>
+                <a:lumMod val="103000"/>
+              </a:schemeClr>
+            </a:gs>
+            <a:gs pos="100000">
+              <a:schemeClr val="phClr">
+                <a:shade val="63000"/>
+                <a:satMod val="120000"/>
+              </a:schemeClr>
+            </a:gs>
+          </a:gsLst>
+          <a:lin ang="5400000" scaled="0"/>
+        </a:gradFill>
+      </a:bgFillStyleLst>
+    </a:fmtScheme>
+  </a:themeElements>
+  <a:objectDefaults/>
+  <a:extraClrSchemeLst/>
+  <a:extLst>
+    <a:ext uri="{05A4C25C-085E-4340-85A3-A5531E510DB2}">
+      <thm15:themeFamily xmlns:thm15="http://schemas.microsoft.com/office/thememl/2012/main" name="Office Theme" id="{62F939B6-93AF-4DB8-9C6B-D6C7DFDC589F}" vid="{4A3C46E8-61CC-4603-A589-7422A47A8E4A}"/>
+    </a:ext>
+  </a:extLst>
+</a:theme>
 </file>